--- a/Presentation_de_levaluation_finale_-_EA_Design.pptx
+++ b/Presentation_de_levaluation_finale_-_EA_Design.pptx
@@ -1,31 +1,126 @@
 
 <file path=ppt/presentation.xml><?xml version="1.0" encoding="utf-8"?>
-<p:presentation xmlns:a="http://schemas.openxmlformats.org/drawingml/2006/main" xmlns:p="http://schemas.openxmlformats.org/presentationml/2006/main" xmlns:r="http://schemas.openxmlformats.org/officeDocument/2006/relationships" xmlns:p14="http://schemas.microsoft.com/office/powerpoint/2010/main" xmlns:p15="http://schemas.microsoft.com/office/powerpoint/2012/main" xmlns:mc="http://schemas.openxmlformats.org/markup-compatibility/2006">
+<p:presentation xmlns:a="http://schemas.openxmlformats.org/drawingml/2006/main" xmlns:r="http://schemas.openxmlformats.org/officeDocument/2006/relationships" xmlns:p="http://schemas.openxmlformats.org/presentationml/2006/main">
   <p:sldMasterIdLst>
-    <p:sldMasterId id="2147483648" r:id="rId2"/>
+    <p:sldMasterId id="2147483648" r:id="rId1"/>
   </p:sldMasterIdLst>
   <p:sldIdLst>
-    <p:sldId id="256" r:id="rId3"/>
-    <p:sldId id="257" r:id="rId4"/>
-    <p:sldId id="258" r:id="rId5"/>
-    <p:sldId id="259" r:id="rId6"/>
-    <p:sldId id="260" r:id="rId7"/>
-    <p:sldId id="261" r:id="rId8"/>
-    <p:sldId id="262" r:id="rId9"/>
-    <p:sldId id="263" r:id="rId10"/>
-    <p:sldId id="264" r:id="rId11"/>
-    <p:sldId id="265" r:id="rId12"/>
-    <p:sldId id="266" r:id="rId13"/>
-    <p:sldId id="267" r:id="rId14"/>
-    <p:sldId id="268" r:id="rId15"/>
+    <p:sldId id="256" r:id="rId2"/>
+    <p:sldId id="257" r:id="rId3"/>
+    <p:sldId id="258" r:id="rId4"/>
+    <p:sldId id="259" r:id="rId5"/>
+    <p:sldId id="260" r:id="rId6"/>
+    <p:sldId id="261" r:id="rId7"/>
+    <p:sldId id="262" r:id="rId8"/>
+    <p:sldId id="263" r:id="rId9"/>
+    <p:sldId id="264" r:id="rId10"/>
+    <p:sldId id="265" r:id="rId11"/>
+    <p:sldId id="266" r:id="rId12"/>
+    <p:sldId id="267" r:id="rId13"/>
+    <p:sldId id="268" r:id="rId14"/>
   </p:sldIdLst>
-  <p:sldSz cx="9144000" cy="6858000"/>
+  <p:sldSz cx="9144000" cy="6858000" type="screen4x3"/>
   <p:notesSz cx="7559675" cy="10691813"/>
+  <p:defaultTextStyle>
+    <a:defPPr>
+      <a:defRPr lang="fr-FR"/>
+    </a:defPPr>
+    <a:lvl1pPr marL="0" algn="l" defTabSz="914400" rtl="0" eaLnBrk="1" latinLnBrk="0" hangingPunct="1">
+      <a:defRPr sz="1800" kern="1200">
+        <a:solidFill>
+          <a:schemeClr val="tx1"/>
+        </a:solidFill>
+        <a:latin typeface="+mn-lt"/>
+        <a:ea typeface="+mn-ea"/>
+        <a:cs typeface="+mn-cs"/>
+      </a:defRPr>
+    </a:lvl1pPr>
+    <a:lvl2pPr marL="457200" algn="l" defTabSz="914400" rtl="0" eaLnBrk="1" latinLnBrk="0" hangingPunct="1">
+      <a:defRPr sz="1800" kern="1200">
+        <a:solidFill>
+          <a:schemeClr val="tx1"/>
+        </a:solidFill>
+        <a:latin typeface="+mn-lt"/>
+        <a:ea typeface="+mn-ea"/>
+        <a:cs typeface="+mn-cs"/>
+      </a:defRPr>
+    </a:lvl2pPr>
+    <a:lvl3pPr marL="914400" algn="l" defTabSz="914400" rtl="0" eaLnBrk="1" latinLnBrk="0" hangingPunct="1">
+      <a:defRPr sz="1800" kern="1200">
+        <a:solidFill>
+          <a:schemeClr val="tx1"/>
+        </a:solidFill>
+        <a:latin typeface="+mn-lt"/>
+        <a:ea typeface="+mn-ea"/>
+        <a:cs typeface="+mn-cs"/>
+      </a:defRPr>
+    </a:lvl3pPr>
+    <a:lvl4pPr marL="1371600" algn="l" defTabSz="914400" rtl="0" eaLnBrk="1" latinLnBrk="0" hangingPunct="1">
+      <a:defRPr sz="1800" kern="1200">
+        <a:solidFill>
+          <a:schemeClr val="tx1"/>
+        </a:solidFill>
+        <a:latin typeface="+mn-lt"/>
+        <a:ea typeface="+mn-ea"/>
+        <a:cs typeface="+mn-cs"/>
+      </a:defRPr>
+    </a:lvl4pPr>
+    <a:lvl5pPr marL="1828800" algn="l" defTabSz="914400" rtl="0" eaLnBrk="1" latinLnBrk="0" hangingPunct="1">
+      <a:defRPr sz="1800" kern="1200">
+        <a:solidFill>
+          <a:schemeClr val="tx1"/>
+        </a:solidFill>
+        <a:latin typeface="+mn-lt"/>
+        <a:ea typeface="+mn-ea"/>
+        <a:cs typeface="+mn-cs"/>
+      </a:defRPr>
+    </a:lvl5pPr>
+    <a:lvl6pPr marL="2286000" algn="l" defTabSz="914400" rtl="0" eaLnBrk="1" latinLnBrk="0" hangingPunct="1">
+      <a:defRPr sz="1800" kern="1200">
+        <a:solidFill>
+          <a:schemeClr val="tx1"/>
+        </a:solidFill>
+        <a:latin typeface="+mn-lt"/>
+        <a:ea typeface="+mn-ea"/>
+        <a:cs typeface="+mn-cs"/>
+      </a:defRPr>
+    </a:lvl6pPr>
+    <a:lvl7pPr marL="2743200" algn="l" defTabSz="914400" rtl="0" eaLnBrk="1" latinLnBrk="0" hangingPunct="1">
+      <a:defRPr sz="1800" kern="1200">
+        <a:solidFill>
+          <a:schemeClr val="tx1"/>
+        </a:solidFill>
+        <a:latin typeface="+mn-lt"/>
+        <a:ea typeface="+mn-ea"/>
+        <a:cs typeface="+mn-cs"/>
+      </a:defRPr>
+    </a:lvl7pPr>
+    <a:lvl8pPr marL="3200400" algn="l" defTabSz="914400" rtl="0" eaLnBrk="1" latinLnBrk="0" hangingPunct="1">
+      <a:defRPr sz="1800" kern="1200">
+        <a:solidFill>
+          <a:schemeClr val="tx1"/>
+        </a:solidFill>
+        <a:latin typeface="+mn-lt"/>
+        <a:ea typeface="+mn-ea"/>
+        <a:cs typeface="+mn-cs"/>
+      </a:defRPr>
+    </a:lvl8pPr>
+    <a:lvl9pPr marL="3657600" algn="l" defTabSz="914400" rtl="0" eaLnBrk="1" latinLnBrk="0" hangingPunct="1">
+      <a:defRPr sz="1800" kern="1200">
+        <a:solidFill>
+          <a:schemeClr val="tx1"/>
+        </a:solidFill>
+        <a:latin typeface="+mn-lt"/>
+        <a:ea typeface="+mn-ea"/>
+        <a:cs typeface="+mn-cs"/>
+      </a:defRPr>
+    </a:lvl9pPr>
+  </p:defaultTextStyle>
 </p:presentation>
 </file>
 
 <file path=ppt/slideLayouts/slideLayout1.xml><?xml version="1.0" encoding="utf-8"?>
-<p:sldLayout xmlns:a="http://schemas.openxmlformats.org/drawingml/2006/main" xmlns:p="http://schemas.openxmlformats.org/presentationml/2006/main" xmlns:r="http://schemas.openxmlformats.org/officeDocument/2006/relationships" xmlns:p14="http://schemas.microsoft.com/office/powerpoint/2010/main" xmlns:p15="http://schemas.microsoft.com/office/powerpoint/2012/main" xmlns:mc="http://schemas.openxmlformats.org/markup-compatibility/2006" type="blank" preserve="1">
+<p:sldLayout xmlns:a="http://schemas.openxmlformats.org/drawingml/2006/main" xmlns:r="http://schemas.openxmlformats.org/officeDocument/2006/relationships" xmlns:p="http://schemas.openxmlformats.org/presentationml/2006/main" type="blank" preserve="1">
   <p:cSld name="Blank Slide">
     <p:spTree>
       <p:nvGrpSpPr>
@@ -43,11 +138,14 @@
       </p:grpSpPr>
     </p:spTree>
   </p:cSld>
+  <p:clrMapOvr>
+    <a:masterClrMapping/>
+  </p:clrMapOvr>
 </p:sldLayout>
 </file>
 
 <file path=ppt/slideLayouts/slideLayout10.xml><?xml version="1.0" encoding="utf-8"?>
-<p:sldLayout xmlns:a="http://schemas.openxmlformats.org/drawingml/2006/main" xmlns:p="http://schemas.openxmlformats.org/presentationml/2006/main" xmlns:r="http://schemas.openxmlformats.org/officeDocument/2006/relationships" xmlns:p14="http://schemas.microsoft.com/office/powerpoint/2010/main" xmlns:p15="http://schemas.microsoft.com/office/powerpoint/2012/main" xmlns:mc="http://schemas.openxmlformats.org/markup-compatibility/2006" type="objOverTx" preserve="1">
+<p:sldLayout xmlns:a="http://schemas.openxmlformats.org/drawingml/2006/main" xmlns:r="http://schemas.openxmlformats.org/officeDocument/2006/relationships" xmlns:p="http://schemas.openxmlformats.org/presentationml/2006/main" type="objOverTx" preserve="1">
   <p:cSld name="Title, Content over Content">
     <p:spTree>
       <p:nvGrpSpPr>
@@ -87,14 +185,15 @@
           </a:ln>
         </p:spPr>
         <p:txBody>
-          <a:bodyPr lIns="0" rIns="0" tIns="0" bIns="0" anchor="ctr">
+          <a:bodyPr lIns="0" tIns="0" rIns="0" bIns="0" anchor="ctr">
             <a:noAutofit/>
           </a:bodyPr>
+          <a:lstStyle/>
           <a:p>
             <a:pPr algn="ctr">
               <a:buNone/>
             </a:pPr>
-            <a:endParaRPr b="0" lang="fr-FR" sz="4400" spc="-1" strike="noStrike">
+            <a:endParaRPr lang="fr-FR" sz="4400" b="0" strike="noStrike" spc="-1">
               <a:latin typeface="Arial"/>
             </a:endParaRPr>
           </a:p>
@@ -124,11 +223,12 @@
           </a:ln>
         </p:spPr>
         <p:txBody>
-          <a:bodyPr lIns="0" rIns="0" tIns="0" bIns="0" anchor="t">
+          <a:bodyPr lIns="0" tIns="0" rIns="0" bIns="0" anchor="t">
             <a:normAutofit/>
           </a:bodyPr>
-          <a:p>
-            <a:endParaRPr b="0" lang="fr-FR" sz="3200" spc="-1" strike="noStrike">
+          <a:lstStyle/>
+          <a:p>
+            <a:endParaRPr lang="fr-FR" sz="3200" b="0" strike="noStrike" spc="-1">
               <a:latin typeface="Arial"/>
             </a:endParaRPr>
           </a:p>
@@ -158,11 +258,12 @@
           </a:ln>
         </p:spPr>
         <p:txBody>
-          <a:bodyPr lIns="0" rIns="0" tIns="0" bIns="0" anchor="t">
+          <a:bodyPr lIns="0" tIns="0" rIns="0" bIns="0" anchor="t">
             <a:normAutofit/>
           </a:bodyPr>
-          <a:p>
-            <a:endParaRPr b="0" lang="fr-FR" sz="3200" spc="-1" strike="noStrike">
+          <a:lstStyle/>
+          <a:p>
+            <a:endParaRPr lang="fr-FR" sz="3200" b="0" strike="noStrike" spc="-1">
               <a:latin typeface="Arial"/>
             </a:endParaRPr>
           </a:p>
@@ -170,11 +271,14 @@
       </p:sp>
     </p:spTree>
   </p:cSld>
+  <p:clrMapOvr>
+    <a:masterClrMapping/>
+  </p:clrMapOvr>
 </p:sldLayout>
 </file>
 
 <file path=ppt/slideLayouts/slideLayout11.xml><?xml version="1.0" encoding="utf-8"?>
-<p:sldLayout xmlns:a="http://schemas.openxmlformats.org/drawingml/2006/main" xmlns:p="http://schemas.openxmlformats.org/presentationml/2006/main" xmlns:r="http://schemas.openxmlformats.org/officeDocument/2006/relationships" xmlns:p14="http://schemas.microsoft.com/office/powerpoint/2010/main" xmlns:p15="http://schemas.microsoft.com/office/powerpoint/2012/main" xmlns:mc="http://schemas.openxmlformats.org/markup-compatibility/2006" type="fourObj" preserve="1">
+<p:sldLayout xmlns:a="http://schemas.openxmlformats.org/drawingml/2006/main" xmlns:r="http://schemas.openxmlformats.org/officeDocument/2006/relationships" xmlns:p="http://schemas.openxmlformats.org/presentationml/2006/main" type="fourObj" preserve="1">
   <p:cSld name="Title, 4 Content">
     <p:spTree>
       <p:nvGrpSpPr>
@@ -214,14 +318,15 @@
           </a:ln>
         </p:spPr>
         <p:txBody>
-          <a:bodyPr lIns="0" rIns="0" tIns="0" bIns="0" anchor="ctr">
+          <a:bodyPr lIns="0" tIns="0" rIns="0" bIns="0" anchor="ctr">
             <a:noAutofit/>
           </a:bodyPr>
+          <a:lstStyle/>
           <a:p>
             <a:pPr algn="ctr">
               <a:buNone/>
             </a:pPr>
-            <a:endParaRPr b="0" lang="fr-FR" sz="4400" spc="-1" strike="noStrike">
+            <a:endParaRPr lang="fr-FR" sz="4400" b="0" strike="noStrike" spc="-1">
               <a:latin typeface="Arial"/>
             </a:endParaRPr>
           </a:p>
@@ -251,11 +356,12 @@
           </a:ln>
         </p:spPr>
         <p:txBody>
-          <a:bodyPr lIns="0" rIns="0" tIns="0" bIns="0" anchor="t">
+          <a:bodyPr lIns="0" tIns="0" rIns="0" bIns="0" anchor="t">
             <a:normAutofit/>
           </a:bodyPr>
-          <a:p>
-            <a:endParaRPr b="0" lang="fr-FR" sz="3200" spc="-1" strike="noStrike">
+          <a:lstStyle/>
+          <a:p>
+            <a:endParaRPr lang="fr-FR" sz="3200" b="0" strike="noStrike" spc="-1">
               <a:latin typeface="Arial"/>
             </a:endParaRPr>
           </a:p>
@@ -285,11 +391,12 @@
           </a:ln>
         </p:spPr>
         <p:txBody>
-          <a:bodyPr lIns="0" rIns="0" tIns="0" bIns="0" anchor="t">
+          <a:bodyPr lIns="0" tIns="0" rIns="0" bIns="0" anchor="t">
             <a:normAutofit/>
           </a:bodyPr>
-          <a:p>
-            <a:endParaRPr b="0" lang="fr-FR" sz="3200" spc="-1" strike="noStrike">
+          <a:lstStyle/>
+          <a:p>
+            <a:endParaRPr lang="fr-FR" sz="3200" b="0" strike="noStrike" spc="-1">
               <a:latin typeface="Arial"/>
             </a:endParaRPr>
           </a:p>
@@ -319,11 +426,12 @@
           </a:ln>
         </p:spPr>
         <p:txBody>
-          <a:bodyPr lIns="0" rIns="0" tIns="0" bIns="0" anchor="t">
+          <a:bodyPr lIns="0" tIns="0" rIns="0" bIns="0" anchor="t">
             <a:normAutofit/>
           </a:bodyPr>
-          <a:p>
-            <a:endParaRPr b="0" lang="fr-FR" sz="3200" spc="-1" strike="noStrike">
+          <a:lstStyle/>
+          <a:p>
+            <a:endParaRPr lang="fr-FR" sz="3200" b="0" strike="noStrike" spc="-1">
               <a:latin typeface="Arial"/>
             </a:endParaRPr>
           </a:p>
@@ -353,11 +461,12 @@
           </a:ln>
         </p:spPr>
         <p:txBody>
-          <a:bodyPr lIns="0" rIns="0" tIns="0" bIns="0" anchor="t">
+          <a:bodyPr lIns="0" tIns="0" rIns="0" bIns="0" anchor="t">
             <a:normAutofit/>
           </a:bodyPr>
-          <a:p>
-            <a:endParaRPr b="0" lang="fr-FR" sz="3200" spc="-1" strike="noStrike">
+          <a:lstStyle/>
+          <a:p>
+            <a:endParaRPr lang="fr-FR" sz="3200" b="0" strike="noStrike" spc="-1">
               <a:latin typeface="Arial"/>
             </a:endParaRPr>
           </a:p>
@@ -365,11 +474,14 @@
       </p:sp>
     </p:spTree>
   </p:cSld>
+  <p:clrMapOvr>
+    <a:masterClrMapping/>
+  </p:clrMapOvr>
 </p:sldLayout>
 </file>
 
 <file path=ppt/slideLayouts/slideLayout12.xml><?xml version="1.0" encoding="utf-8"?>
-<p:sldLayout xmlns:a="http://schemas.openxmlformats.org/drawingml/2006/main" xmlns:p="http://schemas.openxmlformats.org/presentationml/2006/main" xmlns:r="http://schemas.openxmlformats.org/officeDocument/2006/relationships" xmlns:p14="http://schemas.microsoft.com/office/powerpoint/2010/main" xmlns:p15="http://schemas.microsoft.com/office/powerpoint/2012/main" xmlns:mc="http://schemas.openxmlformats.org/markup-compatibility/2006" type="blank" preserve="1">
+<p:sldLayout xmlns:a="http://schemas.openxmlformats.org/drawingml/2006/main" xmlns:r="http://schemas.openxmlformats.org/officeDocument/2006/relationships" xmlns:p="http://schemas.openxmlformats.org/presentationml/2006/main" type="blank" preserve="1">
   <p:cSld name="Title, 6 Content">
     <p:spTree>
       <p:nvGrpSpPr>
@@ -409,14 +521,15 @@
           </a:ln>
         </p:spPr>
         <p:txBody>
-          <a:bodyPr lIns="0" rIns="0" tIns="0" bIns="0" anchor="ctr">
+          <a:bodyPr lIns="0" tIns="0" rIns="0" bIns="0" anchor="ctr">
             <a:noAutofit/>
           </a:bodyPr>
+          <a:lstStyle/>
           <a:p>
             <a:pPr algn="ctr">
               <a:buNone/>
             </a:pPr>
-            <a:endParaRPr b="0" lang="fr-FR" sz="4400" spc="-1" strike="noStrike">
+            <a:endParaRPr lang="fr-FR" sz="4400" b="0" strike="noStrike" spc="-1">
               <a:latin typeface="Arial"/>
             </a:endParaRPr>
           </a:p>
@@ -446,11 +559,12 @@
           </a:ln>
         </p:spPr>
         <p:txBody>
-          <a:bodyPr lIns="0" rIns="0" tIns="0" bIns="0" anchor="t">
+          <a:bodyPr lIns="0" tIns="0" rIns="0" bIns="0" anchor="t">
             <a:normAutofit/>
           </a:bodyPr>
-          <a:p>
-            <a:endParaRPr b="0" lang="fr-FR" sz="3200" spc="-1" strike="noStrike">
+          <a:lstStyle/>
+          <a:p>
+            <a:endParaRPr lang="fr-FR" sz="3200" b="0" strike="noStrike" spc="-1">
               <a:latin typeface="Arial"/>
             </a:endParaRPr>
           </a:p>
@@ -480,11 +594,12 @@
           </a:ln>
         </p:spPr>
         <p:txBody>
-          <a:bodyPr lIns="0" rIns="0" tIns="0" bIns="0" anchor="t">
+          <a:bodyPr lIns="0" tIns="0" rIns="0" bIns="0" anchor="t">
             <a:normAutofit/>
           </a:bodyPr>
-          <a:p>
-            <a:endParaRPr b="0" lang="fr-FR" sz="3200" spc="-1" strike="noStrike">
+          <a:lstStyle/>
+          <a:p>
+            <a:endParaRPr lang="fr-FR" sz="3200" b="0" strike="noStrike" spc="-1">
               <a:latin typeface="Arial"/>
             </a:endParaRPr>
           </a:p>
@@ -514,11 +629,12 @@
           </a:ln>
         </p:spPr>
         <p:txBody>
-          <a:bodyPr lIns="0" rIns="0" tIns="0" bIns="0" anchor="t">
+          <a:bodyPr lIns="0" tIns="0" rIns="0" bIns="0" anchor="t">
             <a:normAutofit/>
           </a:bodyPr>
-          <a:p>
-            <a:endParaRPr b="0" lang="fr-FR" sz="3200" spc="-1" strike="noStrike">
+          <a:lstStyle/>
+          <a:p>
+            <a:endParaRPr lang="fr-FR" sz="3200" b="0" strike="noStrike" spc="-1">
               <a:latin typeface="Arial"/>
             </a:endParaRPr>
           </a:p>
@@ -548,11 +664,12 @@
           </a:ln>
         </p:spPr>
         <p:txBody>
-          <a:bodyPr lIns="0" rIns="0" tIns="0" bIns="0" anchor="t">
+          <a:bodyPr lIns="0" tIns="0" rIns="0" bIns="0" anchor="t">
             <a:normAutofit/>
           </a:bodyPr>
-          <a:p>
-            <a:endParaRPr b="0" lang="fr-FR" sz="3200" spc="-1" strike="noStrike">
+          <a:lstStyle/>
+          <a:p>
+            <a:endParaRPr lang="fr-FR" sz="3200" b="0" strike="noStrike" spc="-1">
               <a:latin typeface="Arial"/>
             </a:endParaRPr>
           </a:p>
@@ -582,11 +699,12 @@
           </a:ln>
         </p:spPr>
         <p:txBody>
-          <a:bodyPr lIns="0" rIns="0" tIns="0" bIns="0" anchor="t">
+          <a:bodyPr lIns="0" tIns="0" rIns="0" bIns="0" anchor="t">
             <a:normAutofit/>
           </a:bodyPr>
-          <a:p>
-            <a:endParaRPr b="0" lang="fr-FR" sz="3200" spc="-1" strike="noStrike">
+          <a:lstStyle/>
+          <a:p>
+            <a:endParaRPr lang="fr-FR" sz="3200" b="0" strike="noStrike" spc="-1">
               <a:latin typeface="Arial"/>
             </a:endParaRPr>
           </a:p>
@@ -616,11 +734,12 @@
           </a:ln>
         </p:spPr>
         <p:txBody>
-          <a:bodyPr lIns="0" rIns="0" tIns="0" bIns="0" anchor="t">
+          <a:bodyPr lIns="0" tIns="0" rIns="0" bIns="0" anchor="t">
             <a:normAutofit/>
           </a:bodyPr>
-          <a:p>
-            <a:endParaRPr b="0" lang="fr-FR" sz="3200" spc="-1" strike="noStrike">
+          <a:lstStyle/>
+          <a:p>
+            <a:endParaRPr lang="fr-FR" sz="3200" b="0" strike="noStrike" spc="-1">
               <a:latin typeface="Arial"/>
             </a:endParaRPr>
           </a:p>
@@ -628,11 +747,14 @@
       </p:sp>
     </p:spTree>
   </p:cSld>
+  <p:clrMapOvr>
+    <a:masterClrMapping/>
+  </p:clrMapOvr>
 </p:sldLayout>
 </file>
 
 <file path=ppt/slideLayouts/slideLayout2.xml><?xml version="1.0" encoding="utf-8"?>
-<p:sldLayout xmlns:a="http://schemas.openxmlformats.org/drawingml/2006/main" xmlns:p="http://schemas.openxmlformats.org/presentationml/2006/main" xmlns:r="http://schemas.openxmlformats.org/officeDocument/2006/relationships" xmlns:p14="http://schemas.microsoft.com/office/powerpoint/2010/main" xmlns:p15="http://schemas.microsoft.com/office/powerpoint/2012/main" xmlns:mc="http://schemas.openxmlformats.org/markup-compatibility/2006" type="tx" preserve="1">
+<p:sldLayout xmlns:a="http://schemas.openxmlformats.org/drawingml/2006/main" xmlns:r="http://schemas.openxmlformats.org/officeDocument/2006/relationships" xmlns:p="http://schemas.openxmlformats.org/presentationml/2006/main" type="tx" preserve="1">
   <p:cSld name="Title Slide">
     <p:spTree>
       <p:nvGrpSpPr>
@@ -672,14 +794,15 @@
           </a:ln>
         </p:spPr>
         <p:txBody>
-          <a:bodyPr lIns="0" rIns="0" tIns="0" bIns="0" anchor="ctr">
+          <a:bodyPr lIns="0" tIns="0" rIns="0" bIns="0" anchor="ctr">
             <a:noAutofit/>
           </a:bodyPr>
+          <a:lstStyle/>
           <a:p>
             <a:pPr algn="ctr">
               <a:buNone/>
             </a:pPr>
-            <a:endParaRPr b="0" lang="fr-FR" sz="4400" spc="-1" strike="noStrike">
+            <a:endParaRPr lang="fr-FR" sz="4400" b="0" strike="noStrike" spc="-1">
               <a:latin typeface="Arial"/>
             </a:endParaRPr>
           </a:p>
@@ -709,14 +832,15 @@
           </a:ln>
         </p:spPr>
         <p:txBody>
-          <a:bodyPr lIns="0" rIns="0" tIns="0" bIns="0" anchor="ctr">
+          <a:bodyPr lIns="0" tIns="0" rIns="0" bIns="0" anchor="ctr">
             <a:noAutofit/>
           </a:bodyPr>
+          <a:lstStyle/>
           <a:p>
             <a:pPr algn="ctr">
               <a:buNone/>
             </a:pPr>
-            <a:endParaRPr b="0" lang="fr-FR" sz="3200" spc="-1" strike="noStrike">
+            <a:endParaRPr lang="fr-FR" sz="3200" b="0" strike="noStrike" spc="-1">
               <a:latin typeface="Arial"/>
             </a:endParaRPr>
           </a:p>
@@ -724,11 +848,14 @@
       </p:sp>
     </p:spTree>
   </p:cSld>
+  <p:clrMapOvr>
+    <a:masterClrMapping/>
+  </p:clrMapOvr>
 </p:sldLayout>
 </file>
 
 <file path=ppt/slideLayouts/slideLayout3.xml><?xml version="1.0" encoding="utf-8"?>
-<p:sldLayout xmlns:a="http://schemas.openxmlformats.org/drawingml/2006/main" xmlns:p="http://schemas.openxmlformats.org/presentationml/2006/main" xmlns:r="http://schemas.openxmlformats.org/officeDocument/2006/relationships" xmlns:p14="http://schemas.microsoft.com/office/powerpoint/2010/main" xmlns:p15="http://schemas.microsoft.com/office/powerpoint/2012/main" xmlns:mc="http://schemas.openxmlformats.org/markup-compatibility/2006" type="obj" preserve="1">
+<p:sldLayout xmlns:a="http://schemas.openxmlformats.org/drawingml/2006/main" xmlns:r="http://schemas.openxmlformats.org/officeDocument/2006/relationships" xmlns:p="http://schemas.openxmlformats.org/presentationml/2006/main" type="obj" preserve="1">
   <p:cSld name="Title, Content">
     <p:spTree>
       <p:nvGrpSpPr>
@@ -768,14 +895,15 @@
           </a:ln>
         </p:spPr>
         <p:txBody>
-          <a:bodyPr lIns="0" rIns="0" tIns="0" bIns="0" anchor="ctr">
+          <a:bodyPr lIns="0" tIns="0" rIns="0" bIns="0" anchor="ctr">
             <a:noAutofit/>
           </a:bodyPr>
+          <a:lstStyle/>
           <a:p>
             <a:pPr algn="ctr">
               <a:buNone/>
             </a:pPr>
-            <a:endParaRPr b="0" lang="fr-FR" sz="4400" spc="-1" strike="noStrike">
+            <a:endParaRPr lang="fr-FR" sz="4400" b="0" strike="noStrike" spc="-1">
               <a:latin typeface="Arial"/>
             </a:endParaRPr>
           </a:p>
@@ -805,11 +933,12 @@
           </a:ln>
         </p:spPr>
         <p:txBody>
-          <a:bodyPr lIns="0" rIns="0" tIns="0" bIns="0" anchor="t">
+          <a:bodyPr lIns="0" tIns="0" rIns="0" bIns="0" anchor="t">
             <a:normAutofit/>
           </a:bodyPr>
-          <a:p>
-            <a:endParaRPr b="0" lang="fr-FR" sz="3200" spc="-1" strike="noStrike">
+          <a:lstStyle/>
+          <a:p>
+            <a:endParaRPr lang="fr-FR" sz="3200" b="0" strike="noStrike" spc="-1">
               <a:latin typeface="Arial"/>
             </a:endParaRPr>
           </a:p>
@@ -817,11 +946,14 @@
       </p:sp>
     </p:spTree>
   </p:cSld>
+  <p:clrMapOvr>
+    <a:masterClrMapping/>
+  </p:clrMapOvr>
 </p:sldLayout>
 </file>
 
 <file path=ppt/slideLayouts/slideLayout4.xml><?xml version="1.0" encoding="utf-8"?>
-<p:sldLayout xmlns:a="http://schemas.openxmlformats.org/drawingml/2006/main" xmlns:p="http://schemas.openxmlformats.org/presentationml/2006/main" xmlns:r="http://schemas.openxmlformats.org/officeDocument/2006/relationships" xmlns:p14="http://schemas.microsoft.com/office/powerpoint/2010/main" xmlns:p15="http://schemas.microsoft.com/office/powerpoint/2012/main" xmlns:mc="http://schemas.openxmlformats.org/markup-compatibility/2006" type="twoObj" preserve="1">
+<p:sldLayout xmlns:a="http://schemas.openxmlformats.org/drawingml/2006/main" xmlns:r="http://schemas.openxmlformats.org/officeDocument/2006/relationships" xmlns:p="http://schemas.openxmlformats.org/presentationml/2006/main" type="twoObj" preserve="1">
   <p:cSld name="Title, 2 Content">
     <p:spTree>
       <p:nvGrpSpPr>
@@ -861,14 +993,15 @@
           </a:ln>
         </p:spPr>
         <p:txBody>
-          <a:bodyPr lIns="0" rIns="0" tIns="0" bIns="0" anchor="ctr">
+          <a:bodyPr lIns="0" tIns="0" rIns="0" bIns="0" anchor="ctr">
             <a:noAutofit/>
           </a:bodyPr>
+          <a:lstStyle/>
           <a:p>
             <a:pPr algn="ctr">
               <a:buNone/>
             </a:pPr>
-            <a:endParaRPr b="0" lang="fr-FR" sz="4400" spc="-1" strike="noStrike">
+            <a:endParaRPr lang="fr-FR" sz="4400" b="0" strike="noStrike" spc="-1">
               <a:latin typeface="Arial"/>
             </a:endParaRPr>
           </a:p>
@@ -898,11 +1031,12 @@
           </a:ln>
         </p:spPr>
         <p:txBody>
-          <a:bodyPr lIns="0" rIns="0" tIns="0" bIns="0" anchor="t">
+          <a:bodyPr lIns="0" tIns="0" rIns="0" bIns="0" anchor="t">
             <a:normAutofit/>
           </a:bodyPr>
-          <a:p>
-            <a:endParaRPr b="0" lang="fr-FR" sz="3200" spc="-1" strike="noStrike">
+          <a:lstStyle/>
+          <a:p>
+            <a:endParaRPr lang="fr-FR" sz="3200" b="0" strike="noStrike" spc="-1">
               <a:latin typeface="Arial"/>
             </a:endParaRPr>
           </a:p>
@@ -932,11 +1066,12 @@
           </a:ln>
         </p:spPr>
         <p:txBody>
-          <a:bodyPr lIns="0" rIns="0" tIns="0" bIns="0" anchor="t">
+          <a:bodyPr lIns="0" tIns="0" rIns="0" bIns="0" anchor="t">
             <a:normAutofit/>
           </a:bodyPr>
-          <a:p>
-            <a:endParaRPr b="0" lang="fr-FR" sz="3200" spc="-1" strike="noStrike">
+          <a:lstStyle/>
+          <a:p>
+            <a:endParaRPr lang="fr-FR" sz="3200" b="0" strike="noStrike" spc="-1">
               <a:latin typeface="Arial"/>
             </a:endParaRPr>
           </a:p>
@@ -944,11 +1079,14 @@
       </p:sp>
     </p:spTree>
   </p:cSld>
+  <p:clrMapOvr>
+    <a:masterClrMapping/>
+  </p:clrMapOvr>
 </p:sldLayout>
 </file>
 
 <file path=ppt/slideLayouts/slideLayout5.xml><?xml version="1.0" encoding="utf-8"?>
-<p:sldLayout xmlns:a="http://schemas.openxmlformats.org/drawingml/2006/main" xmlns:p="http://schemas.openxmlformats.org/presentationml/2006/main" xmlns:r="http://schemas.openxmlformats.org/officeDocument/2006/relationships" xmlns:p14="http://schemas.microsoft.com/office/powerpoint/2010/main" xmlns:p15="http://schemas.microsoft.com/office/powerpoint/2012/main" xmlns:mc="http://schemas.openxmlformats.org/markup-compatibility/2006" type="titleOnly" preserve="1">
+<p:sldLayout xmlns:a="http://schemas.openxmlformats.org/drawingml/2006/main" xmlns:r="http://schemas.openxmlformats.org/officeDocument/2006/relationships" xmlns:p="http://schemas.openxmlformats.org/presentationml/2006/main" type="titleOnly" preserve="1">
   <p:cSld name="Title Only">
     <p:spTree>
       <p:nvGrpSpPr>
@@ -988,14 +1126,15 @@
           </a:ln>
         </p:spPr>
         <p:txBody>
-          <a:bodyPr lIns="0" rIns="0" tIns="0" bIns="0" anchor="ctr">
+          <a:bodyPr lIns="0" tIns="0" rIns="0" bIns="0" anchor="ctr">
             <a:noAutofit/>
           </a:bodyPr>
+          <a:lstStyle/>
           <a:p>
             <a:pPr algn="ctr">
               <a:buNone/>
             </a:pPr>
-            <a:endParaRPr b="0" lang="fr-FR" sz="4400" spc="-1" strike="noStrike">
+            <a:endParaRPr lang="fr-FR" sz="4400" b="0" strike="noStrike" spc="-1">
               <a:latin typeface="Arial"/>
             </a:endParaRPr>
           </a:p>
@@ -1003,11 +1142,14 @@
       </p:sp>
     </p:spTree>
   </p:cSld>
+  <p:clrMapOvr>
+    <a:masterClrMapping/>
+  </p:clrMapOvr>
 </p:sldLayout>
 </file>
 
 <file path=ppt/slideLayouts/slideLayout6.xml><?xml version="1.0" encoding="utf-8"?>
-<p:sldLayout xmlns:a="http://schemas.openxmlformats.org/drawingml/2006/main" xmlns:p="http://schemas.openxmlformats.org/presentationml/2006/main" xmlns:r="http://schemas.openxmlformats.org/officeDocument/2006/relationships" xmlns:p14="http://schemas.microsoft.com/office/powerpoint/2010/main" xmlns:p15="http://schemas.microsoft.com/office/powerpoint/2012/main" xmlns:mc="http://schemas.openxmlformats.org/markup-compatibility/2006" type="objOnly" preserve="1">
+<p:sldLayout xmlns:a="http://schemas.openxmlformats.org/drawingml/2006/main" xmlns:r="http://schemas.openxmlformats.org/officeDocument/2006/relationships" xmlns:p="http://schemas.openxmlformats.org/presentationml/2006/main" type="objOnly" preserve="1">
   <p:cSld name="Centered Text">
     <p:spTree>
       <p:nvGrpSpPr>
@@ -1047,14 +1189,15 @@
           </a:ln>
         </p:spPr>
         <p:txBody>
-          <a:bodyPr lIns="0" rIns="0" tIns="0" bIns="0" anchor="ctr">
+          <a:bodyPr lIns="0" tIns="0" rIns="0" bIns="0" anchor="ctr">
             <a:noAutofit/>
           </a:bodyPr>
+          <a:lstStyle/>
           <a:p>
             <a:pPr algn="ctr">
               <a:buNone/>
             </a:pPr>
-            <a:endParaRPr b="0" lang="fr-FR" sz="3200" spc="-1" strike="noStrike">
+            <a:endParaRPr lang="fr-FR" sz="3200" b="0" strike="noStrike" spc="-1">
               <a:latin typeface="Arial"/>
             </a:endParaRPr>
           </a:p>
@@ -1062,11 +1205,14 @@
       </p:sp>
     </p:spTree>
   </p:cSld>
+  <p:clrMapOvr>
+    <a:masterClrMapping/>
+  </p:clrMapOvr>
 </p:sldLayout>
 </file>
 
 <file path=ppt/slideLayouts/slideLayout7.xml><?xml version="1.0" encoding="utf-8"?>
-<p:sldLayout xmlns:a="http://schemas.openxmlformats.org/drawingml/2006/main" xmlns:p="http://schemas.openxmlformats.org/presentationml/2006/main" xmlns:r="http://schemas.openxmlformats.org/officeDocument/2006/relationships" xmlns:p14="http://schemas.microsoft.com/office/powerpoint/2010/main" xmlns:p15="http://schemas.microsoft.com/office/powerpoint/2012/main" xmlns:mc="http://schemas.openxmlformats.org/markup-compatibility/2006" type="twoObjAndObj" preserve="1">
+<p:sldLayout xmlns:a="http://schemas.openxmlformats.org/drawingml/2006/main" xmlns:r="http://schemas.openxmlformats.org/officeDocument/2006/relationships" xmlns:p="http://schemas.openxmlformats.org/presentationml/2006/main" type="twoObjAndObj" preserve="1">
   <p:cSld name="Title, 2 Content and Content">
     <p:spTree>
       <p:nvGrpSpPr>
@@ -1106,14 +1252,15 @@
           </a:ln>
         </p:spPr>
         <p:txBody>
-          <a:bodyPr lIns="0" rIns="0" tIns="0" bIns="0" anchor="ctr">
+          <a:bodyPr lIns="0" tIns="0" rIns="0" bIns="0" anchor="ctr">
             <a:noAutofit/>
           </a:bodyPr>
+          <a:lstStyle/>
           <a:p>
             <a:pPr algn="ctr">
               <a:buNone/>
             </a:pPr>
-            <a:endParaRPr b="0" lang="fr-FR" sz="4400" spc="-1" strike="noStrike">
+            <a:endParaRPr lang="fr-FR" sz="4400" b="0" strike="noStrike" spc="-1">
               <a:latin typeface="Arial"/>
             </a:endParaRPr>
           </a:p>
@@ -1143,11 +1290,12 @@
           </a:ln>
         </p:spPr>
         <p:txBody>
-          <a:bodyPr lIns="0" rIns="0" tIns="0" bIns="0" anchor="t">
+          <a:bodyPr lIns="0" tIns="0" rIns="0" bIns="0" anchor="t">
             <a:normAutofit/>
           </a:bodyPr>
-          <a:p>
-            <a:endParaRPr b="0" lang="fr-FR" sz="3200" spc="-1" strike="noStrike">
+          <a:lstStyle/>
+          <a:p>
+            <a:endParaRPr lang="fr-FR" sz="3200" b="0" strike="noStrike" spc="-1">
               <a:latin typeface="Arial"/>
             </a:endParaRPr>
           </a:p>
@@ -1177,11 +1325,12 @@
           </a:ln>
         </p:spPr>
         <p:txBody>
-          <a:bodyPr lIns="0" rIns="0" tIns="0" bIns="0" anchor="t">
+          <a:bodyPr lIns="0" tIns="0" rIns="0" bIns="0" anchor="t">
             <a:normAutofit/>
           </a:bodyPr>
-          <a:p>
-            <a:endParaRPr b="0" lang="fr-FR" sz="3200" spc="-1" strike="noStrike">
+          <a:lstStyle/>
+          <a:p>
+            <a:endParaRPr lang="fr-FR" sz="3200" b="0" strike="noStrike" spc="-1">
               <a:latin typeface="Arial"/>
             </a:endParaRPr>
           </a:p>
@@ -1211,11 +1360,12 @@
           </a:ln>
         </p:spPr>
         <p:txBody>
-          <a:bodyPr lIns="0" rIns="0" tIns="0" bIns="0" anchor="t">
+          <a:bodyPr lIns="0" tIns="0" rIns="0" bIns="0" anchor="t">
             <a:normAutofit/>
           </a:bodyPr>
-          <a:p>
-            <a:endParaRPr b="0" lang="fr-FR" sz="3200" spc="-1" strike="noStrike">
+          <a:lstStyle/>
+          <a:p>
+            <a:endParaRPr lang="fr-FR" sz="3200" b="0" strike="noStrike" spc="-1">
               <a:latin typeface="Arial"/>
             </a:endParaRPr>
           </a:p>
@@ -1223,11 +1373,14 @@
       </p:sp>
     </p:spTree>
   </p:cSld>
+  <p:clrMapOvr>
+    <a:masterClrMapping/>
+  </p:clrMapOvr>
 </p:sldLayout>
 </file>
 
 <file path=ppt/slideLayouts/slideLayout8.xml><?xml version="1.0" encoding="utf-8"?>
-<p:sldLayout xmlns:a="http://schemas.openxmlformats.org/drawingml/2006/main" xmlns:p="http://schemas.openxmlformats.org/presentationml/2006/main" xmlns:r="http://schemas.openxmlformats.org/officeDocument/2006/relationships" xmlns:p14="http://schemas.microsoft.com/office/powerpoint/2010/main" xmlns:p15="http://schemas.microsoft.com/office/powerpoint/2012/main" xmlns:mc="http://schemas.openxmlformats.org/markup-compatibility/2006" type="objAndTwoObj" preserve="1">
+<p:sldLayout xmlns:a="http://schemas.openxmlformats.org/drawingml/2006/main" xmlns:r="http://schemas.openxmlformats.org/officeDocument/2006/relationships" xmlns:p="http://schemas.openxmlformats.org/presentationml/2006/main" type="objAndTwoObj" preserve="1">
   <p:cSld name="Title Content and 2 Content">
     <p:spTree>
       <p:nvGrpSpPr>
@@ -1267,14 +1420,15 @@
           </a:ln>
         </p:spPr>
         <p:txBody>
-          <a:bodyPr lIns="0" rIns="0" tIns="0" bIns="0" anchor="ctr">
+          <a:bodyPr lIns="0" tIns="0" rIns="0" bIns="0" anchor="ctr">
             <a:noAutofit/>
           </a:bodyPr>
+          <a:lstStyle/>
           <a:p>
             <a:pPr algn="ctr">
               <a:buNone/>
             </a:pPr>
-            <a:endParaRPr b="0" lang="fr-FR" sz="4400" spc="-1" strike="noStrike">
+            <a:endParaRPr lang="fr-FR" sz="4400" b="0" strike="noStrike" spc="-1">
               <a:latin typeface="Arial"/>
             </a:endParaRPr>
           </a:p>
@@ -1304,11 +1458,12 @@
           </a:ln>
         </p:spPr>
         <p:txBody>
-          <a:bodyPr lIns="0" rIns="0" tIns="0" bIns="0" anchor="t">
+          <a:bodyPr lIns="0" tIns="0" rIns="0" bIns="0" anchor="t">
             <a:normAutofit/>
           </a:bodyPr>
-          <a:p>
-            <a:endParaRPr b="0" lang="fr-FR" sz="3200" spc="-1" strike="noStrike">
+          <a:lstStyle/>
+          <a:p>
+            <a:endParaRPr lang="fr-FR" sz="3200" b="0" strike="noStrike" spc="-1">
               <a:latin typeface="Arial"/>
             </a:endParaRPr>
           </a:p>
@@ -1338,11 +1493,12 @@
           </a:ln>
         </p:spPr>
         <p:txBody>
-          <a:bodyPr lIns="0" rIns="0" tIns="0" bIns="0" anchor="t">
+          <a:bodyPr lIns="0" tIns="0" rIns="0" bIns="0" anchor="t">
             <a:normAutofit/>
           </a:bodyPr>
-          <a:p>
-            <a:endParaRPr b="0" lang="fr-FR" sz="3200" spc="-1" strike="noStrike">
+          <a:lstStyle/>
+          <a:p>
+            <a:endParaRPr lang="fr-FR" sz="3200" b="0" strike="noStrike" spc="-1">
               <a:latin typeface="Arial"/>
             </a:endParaRPr>
           </a:p>
@@ -1372,11 +1528,12 @@
           </a:ln>
         </p:spPr>
         <p:txBody>
-          <a:bodyPr lIns="0" rIns="0" tIns="0" bIns="0" anchor="t">
+          <a:bodyPr lIns="0" tIns="0" rIns="0" bIns="0" anchor="t">
             <a:normAutofit/>
           </a:bodyPr>
-          <a:p>
-            <a:endParaRPr b="0" lang="fr-FR" sz="3200" spc="-1" strike="noStrike">
+          <a:lstStyle/>
+          <a:p>
+            <a:endParaRPr lang="fr-FR" sz="3200" b="0" strike="noStrike" spc="-1">
               <a:latin typeface="Arial"/>
             </a:endParaRPr>
           </a:p>
@@ -1384,11 +1541,14 @@
       </p:sp>
     </p:spTree>
   </p:cSld>
+  <p:clrMapOvr>
+    <a:masterClrMapping/>
+  </p:clrMapOvr>
 </p:sldLayout>
 </file>
 
 <file path=ppt/slideLayouts/slideLayout9.xml><?xml version="1.0" encoding="utf-8"?>
-<p:sldLayout xmlns:a="http://schemas.openxmlformats.org/drawingml/2006/main" xmlns:p="http://schemas.openxmlformats.org/presentationml/2006/main" xmlns:r="http://schemas.openxmlformats.org/officeDocument/2006/relationships" xmlns:p14="http://schemas.microsoft.com/office/powerpoint/2010/main" xmlns:p15="http://schemas.microsoft.com/office/powerpoint/2012/main" xmlns:mc="http://schemas.openxmlformats.org/markup-compatibility/2006" type="twoObjOverTx" preserve="1">
+<p:sldLayout xmlns:a="http://schemas.openxmlformats.org/drawingml/2006/main" xmlns:r="http://schemas.openxmlformats.org/officeDocument/2006/relationships" xmlns:p="http://schemas.openxmlformats.org/presentationml/2006/main" type="twoObjOverTx" preserve="1">
   <p:cSld name="Title, 2 Content over Content">
     <p:spTree>
       <p:nvGrpSpPr>
@@ -1428,14 +1588,15 @@
           </a:ln>
         </p:spPr>
         <p:txBody>
-          <a:bodyPr lIns="0" rIns="0" tIns="0" bIns="0" anchor="ctr">
+          <a:bodyPr lIns="0" tIns="0" rIns="0" bIns="0" anchor="ctr">
             <a:noAutofit/>
           </a:bodyPr>
+          <a:lstStyle/>
           <a:p>
             <a:pPr algn="ctr">
               <a:buNone/>
             </a:pPr>
-            <a:endParaRPr b="0" lang="fr-FR" sz="4400" spc="-1" strike="noStrike">
+            <a:endParaRPr lang="fr-FR" sz="4400" b="0" strike="noStrike" spc="-1">
               <a:latin typeface="Arial"/>
             </a:endParaRPr>
           </a:p>
@@ -1465,11 +1626,12 @@
           </a:ln>
         </p:spPr>
         <p:txBody>
-          <a:bodyPr lIns="0" rIns="0" tIns="0" bIns="0" anchor="t">
+          <a:bodyPr lIns="0" tIns="0" rIns="0" bIns="0" anchor="t">
             <a:normAutofit/>
           </a:bodyPr>
-          <a:p>
-            <a:endParaRPr b="0" lang="fr-FR" sz="3200" spc="-1" strike="noStrike">
+          <a:lstStyle/>
+          <a:p>
+            <a:endParaRPr lang="fr-FR" sz="3200" b="0" strike="noStrike" spc="-1">
               <a:latin typeface="Arial"/>
             </a:endParaRPr>
           </a:p>
@@ -1499,11 +1661,12 @@
           </a:ln>
         </p:spPr>
         <p:txBody>
-          <a:bodyPr lIns="0" rIns="0" tIns="0" bIns="0" anchor="t">
+          <a:bodyPr lIns="0" tIns="0" rIns="0" bIns="0" anchor="t">
             <a:normAutofit/>
           </a:bodyPr>
-          <a:p>
-            <a:endParaRPr b="0" lang="fr-FR" sz="3200" spc="-1" strike="noStrike">
+          <a:lstStyle/>
+          <a:p>
+            <a:endParaRPr lang="fr-FR" sz="3200" b="0" strike="noStrike" spc="-1">
               <a:latin typeface="Arial"/>
             </a:endParaRPr>
           </a:p>
@@ -1533,11 +1696,12 @@
           </a:ln>
         </p:spPr>
         <p:txBody>
-          <a:bodyPr lIns="0" rIns="0" tIns="0" bIns="0" anchor="t">
+          <a:bodyPr lIns="0" tIns="0" rIns="0" bIns="0" anchor="t">
             <a:normAutofit/>
           </a:bodyPr>
-          <a:p>
-            <a:endParaRPr b="0" lang="fr-FR" sz="3200" spc="-1" strike="noStrike">
+          <a:lstStyle/>
+          <a:p>
+            <a:endParaRPr lang="fr-FR" sz="3200" b="0" strike="noStrike" spc="-1">
               <a:latin typeface="Arial"/>
             </a:endParaRPr>
           </a:p>
@@ -1545,17 +1709,21 @@
       </p:sp>
     </p:spTree>
   </p:cSld>
+  <p:clrMapOvr>
+    <a:masterClrMapping/>
+  </p:clrMapOvr>
 </p:sldLayout>
 </file>
 
 <file path=ppt/slideMasters/slideMaster1.xml><?xml version="1.0" encoding="utf-8"?>
-<p:sldMaster xmlns:a="http://schemas.openxmlformats.org/drawingml/2006/main" xmlns:p="http://schemas.openxmlformats.org/presentationml/2006/main" xmlns:r="http://schemas.openxmlformats.org/officeDocument/2006/relationships" xmlns:p14="http://schemas.microsoft.com/office/powerpoint/2010/main" xmlns:p15="http://schemas.microsoft.com/office/powerpoint/2012/main" xmlns:mc="http://schemas.openxmlformats.org/markup-compatibility/2006">
+<p:sldMaster xmlns:a="http://schemas.openxmlformats.org/drawingml/2006/main" xmlns:r="http://schemas.openxmlformats.org/officeDocument/2006/relationships" xmlns:p="http://schemas.openxmlformats.org/presentationml/2006/main">
   <p:cSld>
     <p:bg>
       <p:bgPr>
         <a:solidFill>
-          <a:srgbClr val="ffffff"/>
+          <a:srgbClr val="FFFFFF"/>
         </a:solidFill>
+        <a:effectLst/>
       </p:bgPr>
     </p:bg>
     <p:spTree>
@@ -1574,7 +1742,7 @@
       </p:grpSpPr>
       <p:sp>
         <p:nvSpPr>
-          <p:cNvPr id="0" name="PlaceHolder 1"/>
+          <p:cNvPr id="2" name="PlaceHolder 1"/>
           <p:cNvSpPr>
             <a:spLocks noGrp="1"/>
           </p:cNvSpPr>
@@ -1596,28 +1764,26 @@
           </a:ln>
         </p:spPr>
         <p:txBody>
-          <a:bodyPr lIns="0" rIns="0" tIns="0" bIns="0" anchor="ctr">
+          <a:bodyPr lIns="0" tIns="0" rIns="0" bIns="0" anchor="ctr">
             <a:noAutofit/>
           </a:bodyPr>
+          <a:lstStyle/>
           <a:p>
             <a:pPr algn="ctr">
               <a:buNone/>
             </a:pPr>
             <a:r>
-              <a:rPr b="0" lang="fr-FR" sz="4400" spc="-1" strike="noStrike">
+              <a:rPr lang="fr-FR" sz="4400" b="0" strike="noStrike" spc="-1">
                 <a:latin typeface="Arial"/>
               </a:rPr>
               <a:t>Cliquez pour éditer le format du texte-titre</a:t>
             </a:r>
-            <a:endParaRPr b="0" lang="fr-FR" sz="4400" spc="-1" strike="noStrike">
-              <a:latin typeface="Arial"/>
-            </a:endParaRPr>
           </a:p>
         </p:txBody>
       </p:sp>
       <p:sp>
         <p:nvSpPr>
-          <p:cNvPr id="1" name="PlaceHolder 2"/>
+          <p:cNvPr id="3" name="PlaceHolder 2"/>
           <p:cNvSpPr>
             <a:spLocks noGrp="1"/>
           </p:cNvSpPr>
@@ -1639,9 +1805,10 @@
           </a:ln>
         </p:spPr>
         <p:txBody>
-          <a:bodyPr lIns="0" rIns="0" tIns="0" bIns="0" anchor="t">
+          <a:bodyPr lIns="0" tIns="0" rIns="0" bIns="0" anchor="t">
             <a:normAutofit/>
           </a:bodyPr>
+          <a:lstStyle/>
           <a:p>
             <a:pPr marL="432000" indent="-324000">
               <a:spcBef>
@@ -1655,17 +1822,14 @@
               <a:buChar char=""/>
             </a:pPr>
             <a:r>
-              <a:rPr b="0" lang="fr-FR" sz="3200" spc="-1" strike="noStrike">
+              <a:rPr lang="fr-FR" sz="3200" b="0" strike="noStrike" spc="-1">
                 <a:latin typeface="Arial"/>
               </a:rPr>
               <a:t>Cliquez pour éditer le format du plan de texte</a:t>
             </a:r>
-            <a:endParaRPr b="0" lang="fr-FR" sz="3200" spc="-1" strike="noStrike">
-              <a:latin typeface="Arial"/>
-            </a:endParaRPr>
-          </a:p>
-          <a:p>
-            <a:pPr lvl="1" marL="864000" indent="-324000">
+          </a:p>
+          <a:p>
+            <a:pPr marL="864000" lvl="1" indent="-324000">
               <a:spcBef>
                 <a:spcPts val="1134"/>
               </a:spcBef>
@@ -1677,17 +1841,14 @@
               <a:buChar char=""/>
             </a:pPr>
             <a:r>
-              <a:rPr b="0" lang="fr-FR" sz="2800" spc="-1" strike="noStrike">
+              <a:rPr lang="fr-FR" sz="2800" b="0" strike="noStrike" spc="-1">
                 <a:latin typeface="Arial"/>
               </a:rPr>
               <a:t>Second niveau de plan</a:t>
             </a:r>
-            <a:endParaRPr b="0" lang="fr-FR" sz="2800" spc="-1" strike="noStrike">
-              <a:latin typeface="Arial"/>
-            </a:endParaRPr>
-          </a:p>
-          <a:p>
-            <a:pPr lvl="2" marL="1296000" indent="-288000">
+          </a:p>
+          <a:p>
+            <a:pPr marL="1296000" lvl="2" indent="-288000">
               <a:spcBef>
                 <a:spcPts val="850"/>
               </a:spcBef>
@@ -1699,17 +1860,14 @@
               <a:buChar char=""/>
             </a:pPr>
             <a:r>
-              <a:rPr b="0" lang="fr-FR" sz="2400" spc="-1" strike="noStrike">
+              <a:rPr lang="fr-FR" sz="2400" b="0" strike="noStrike" spc="-1">
                 <a:latin typeface="Arial"/>
               </a:rPr>
               <a:t>Troisième niveau de plan</a:t>
             </a:r>
-            <a:endParaRPr b="0" lang="fr-FR" sz="2400" spc="-1" strike="noStrike">
-              <a:latin typeface="Arial"/>
-            </a:endParaRPr>
-          </a:p>
-          <a:p>
-            <a:pPr lvl="3" marL="1728000" indent="-216000">
+          </a:p>
+          <a:p>
+            <a:pPr marL="1728000" lvl="3" indent="-216000">
               <a:spcBef>
                 <a:spcPts val="567"/>
               </a:spcBef>
@@ -1721,17 +1879,14 @@
               <a:buChar char=""/>
             </a:pPr>
             <a:r>
-              <a:rPr b="0" lang="fr-FR" sz="2000" spc="-1" strike="noStrike">
+              <a:rPr lang="fr-FR" sz="2000" b="0" strike="noStrike" spc="-1">
                 <a:latin typeface="Arial"/>
               </a:rPr>
               <a:t>Quatrième niveau de plan</a:t>
             </a:r>
-            <a:endParaRPr b="0" lang="fr-FR" sz="2000" spc="-1" strike="noStrike">
-              <a:latin typeface="Arial"/>
-            </a:endParaRPr>
-          </a:p>
-          <a:p>
-            <a:pPr lvl="4" marL="2160000" indent="-216000">
+          </a:p>
+          <a:p>
+            <a:pPr marL="2160000" lvl="4" indent="-216000">
               <a:spcBef>
                 <a:spcPts val="283"/>
               </a:spcBef>
@@ -1743,17 +1898,14 @@
               <a:buChar char=""/>
             </a:pPr>
             <a:r>
-              <a:rPr b="0" lang="fr-FR" sz="2000" spc="-1" strike="noStrike">
+              <a:rPr lang="fr-FR" sz="2000" b="0" strike="noStrike" spc="-1">
                 <a:latin typeface="Arial"/>
               </a:rPr>
               <a:t>Cinquième niveau de plan</a:t>
             </a:r>
-            <a:endParaRPr b="0" lang="fr-FR" sz="2000" spc="-1" strike="noStrike">
-              <a:latin typeface="Arial"/>
-            </a:endParaRPr>
-          </a:p>
-          <a:p>
-            <a:pPr lvl="5" marL="2592000" indent="-216000">
+          </a:p>
+          <a:p>
+            <a:pPr marL="2592000" lvl="5" indent="-216000">
               <a:spcBef>
                 <a:spcPts val="283"/>
               </a:spcBef>
@@ -1765,17 +1917,14 @@
               <a:buChar char=""/>
             </a:pPr>
             <a:r>
-              <a:rPr b="0" lang="fr-FR" sz="2000" spc="-1" strike="noStrike">
+              <a:rPr lang="fr-FR" sz="2000" b="0" strike="noStrike" spc="-1">
                 <a:latin typeface="Arial"/>
               </a:rPr>
               <a:t>Sixième niveau de plan</a:t>
             </a:r>
-            <a:endParaRPr b="0" lang="fr-FR" sz="2000" spc="-1" strike="noStrike">
-              <a:latin typeface="Arial"/>
-            </a:endParaRPr>
-          </a:p>
-          <a:p>
-            <a:pPr lvl="6" marL="3024000" indent="-216000">
+          </a:p>
+          <a:p>
+            <a:pPr marL="3024000" lvl="6" indent="-216000">
               <a:spcBef>
                 <a:spcPts val="283"/>
               </a:spcBef>
@@ -1787,45 +1936,48 @@
               <a:buChar char=""/>
             </a:pPr>
             <a:r>
-              <a:rPr b="0" lang="fr-FR" sz="2000" spc="-1" strike="noStrike">
+              <a:rPr lang="fr-FR" sz="2000" b="0" strike="noStrike" spc="-1">
                 <a:latin typeface="Arial"/>
               </a:rPr>
               <a:t>Septième niveau de plan</a:t>
             </a:r>
-            <a:endParaRPr b="0" lang="fr-FR" sz="2000" spc="-1" strike="noStrike">
-              <a:latin typeface="Arial"/>
-            </a:endParaRPr>
           </a:p>
         </p:txBody>
       </p:sp>
     </p:spTree>
   </p:cSld>
-  <p:clrMap bg1="lt1" bg2="lt2" tx1="dk1" tx2="dk2" accent1="accent1" accent2="accent2" accent3="accent3" accent4="accent4" accent5="accent5" accent6="accent6" hlink="hlink" folHlink="folHlink"/>
+  <p:clrMap bg1="lt1" tx1="dk1" bg2="lt2" tx2="dk2" accent1="accent1" accent2="accent2" accent3="accent3" accent4="accent4" accent5="accent5" accent6="accent6" hlink="hlink" folHlink="folHlink"/>
   <p:sldLayoutIdLst>
-    <p:sldLayoutId id="2147483649" r:id="rId2"/>
-    <p:sldLayoutId id="2147483650" r:id="rId3"/>
-    <p:sldLayoutId id="2147483651" r:id="rId4"/>
-    <p:sldLayoutId id="2147483652" r:id="rId5"/>
-    <p:sldLayoutId id="2147483653" r:id="rId6"/>
-    <p:sldLayoutId id="2147483654" r:id="rId7"/>
-    <p:sldLayoutId id="2147483655" r:id="rId8"/>
-    <p:sldLayoutId id="2147483656" r:id="rId9"/>
-    <p:sldLayoutId id="2147483657" r:id="rId10"/>
-    <p:sldLayoutId id="2147483658" r:id="rId11"/>
-    <p:sldLayoutId id="2147483659" r:id="rId12"/>
-    <p:sldLayoutId id="2147483660" r:id="rId13"/>
+    <p:sldLayoutId id="2147483649" r:id="rId1"/>
+    <p:sldLayoutId id="2147483650" r:id="rId2"/>
+    <p:sldLayoutId id="2147483651" r:id="rId3"/>
+    <p:sldLayoutId id="2147483652" r:id="rId4"/>
+    <p:sldLayoutId id="2147483653" r:id="rId5"/>
+    <p:sldLayoutId id="2147483654" r:id="rId6"/>
+    <p:sldLayoutId id="2147483655" r:id="rId7"/>
+    <p:sldLayoutId id="2147483656" r:id="rId8"/>
+    <p:sldLayoutId id="2147483657" r:id="rId9"/>
+    <p:sldLayoutId id="2147483658" r:id="rId10"/>
+    <p:sldLayoutId id="2147483659" r:id="rId11"/>
+    <p:sldLayoutId id="2147483660" r:id="rId12"/>
   </p:sldLayoutIdLst>
+  <p:txStyles>
+    <p:titleStyle/>
+    <p:bodyStyle/>
+    <p:otherStyle/>
+  </p:txStyles>
 </p:sldMaster>
 </file>
 
 <file path=ppt/slides/slide1.xml><?xml version="1.0" encoding="utf-8"?>
-<p:sld xmlns:a="http://schemas.openxmlformats.org/drawingml/2006/main" xmlns:p="http://schemas.openxmlformats.org/presentationml/2006/main" xmlns:r="http://schemas.openxmlformats.org/officeDocument/2006/relationships" xmlns:p14="http://schemas.microsoft.com/office/powerpoint/2010/main" xmlns:p15="http://schemas.microsoft.com/office/powerpoint/2012/main" xmlns:mc="http://schemas.openxmlformats.org/markup-compatibility/2006">
+<p:sld xmlns:a="http://schemas.openxmlformats.org/drawingml/2006/main" xmlns:r="http://schemas.openxmlformats.org/officeDocument/2006/relationships" xmlns:p="http://schemas.openxmlformats.org/presentationml/2006/main">
   <p:cSld>
     <p:bg>
       <p:bgPr>
         <a:solidFill>
-          <a:srgbClr val="17375e"/>
+          <a:srgbClr val="17375E"/>
         </a:solidFill>
+        <a:effectLst/>
       </p:bgPr>
     </p:bg>
     <p:spTree>
@@ -1844,12 +1996,12 @@
       </p:grpSpPr>
       <p:pic>
         <p:nvPicPr>
-          <p:cNvPr id="38" name="Picture 2" descr=""/>
+          <p:cNvPr id="38" name="Picture 2"/>
           <p:cNvPicPr/>
           <p:nvPr/>
         </p:nvPicPr>
         <p:blipFill>
-          <a:blip r:embed="rId1"/>
+          <a:blip r:embed="rId2" cstate="print"/>
           <a:stretch/>
         </p:blipFill>
         <p:spPr>
@@ -1867,12 +2019,12 @@
       </p:pic>
       <p:pic>
         <p:nvPicPr>
-          <p:cNvPr id="39" name="Picture 3" descr=""/>
+          <p:cNvPr id="39" name="Picture 3"/>
           <p:cNvPicPr/>
           <p:nvPr/>
         </p:nvPicPr>
         <p:blipFill>
-          <a:blip r:embed="rId2"/>
+          <a:blip r:embed="rId3" cstate="print"/>
           <a:stretch/>
         </p:blipFill>
         <p:spPr>
@@ -1890,12 +2042,12 @@
       </p:pic>
       <p:pic>
         <p:nvPicPr>
-          <p:cNvPr id="40" name="Picture 4" descr=""/>
+          <p:cNvPr id="40" name="Picture 4"/>
           <p:cNvPicPr/>
           <p:nvPr/>
         </p:nvPicPr>
         <p:blipFill>
-          <a:blip r:embed="rId3"/>
+          <a:blip r:embed="rId4" cstate="print"/>
           <a:stretch/>
         </p:blipFill>
         <p:spPr>
@@ -1930,20 +2082,27 @@
           </a:solidFill>
           <a:ln w="0">
             <a:solidFill>
-              <a:srgbClr val="ffffff"/>
+              <a:srgbClr val="FFFFFF"/>
             </a:solidFill>
           </a:ln>
         </p:spPr>
         <p:style>
-          <a:lnRef idx="0"/>
-          <a:fillRef idx="0"/>
-          <a:effectRef idx="0"/>
+          <a:lnRef idx="0">
+            <a:scrgbClr r="0" g="0" b="0"/>
+          </a:lnRef>
+          <a:fillRef idx="0">
+            <a:scrgbClr r="0" g="0" b="0"/>
+          </a:fillRef>
+          <a:effectRef idx="0">
+            <a:scrgbClr r="0" g="0" b="0"/>
+          </a:effectRef>
           <a:fontRef idx="minor"/>
         </p:style>
         <p:txBody>
-          <a:bodyPr lIns="90000" rIns="90000" tIns="45000" bIns="45000" anchor="t">
+          <a:bodyPr lIns="90000" tIns="45000" rIns="90000" bIns="45000" anchor="t">
             <a:spAutoFit/>
           </a:bodyPr>
+          <a:lstStyle/>
           <a:p>
             <a:pPr algn="ctr">
               <a:lnSpc>
@@ -1952,7 +2111,7 @@
               <a:buNone/>
             </a:pPr>
             <a:r>
-              <a:rPr b="0" lang="fr-FR" sz="2400" spc="-1" strike="noStrike">
+              <a:rPr lang="fr-FR" sz="2400" b="0" strike="noStrike" spc="-1">
                 <a:solidFill>
                   <a:srgbClr val="838383"/>
                 </a:solidFill>
@@ -1961,7 +2120,7 @@
               </a:rPr>
               <a:t>T4SU - Marketing</a:t>
             </a:r>
-            <a:endParaRPr b="0" lang="fr-FR" sz="2400" spc="-1" strike="noStrike">
+            <a:endParaRPr lang="fr-FR" sz="2400" b="0" strike="noStrike" spc="-1">
               <a:latin typeface="Arial"/>
             </a:endParaRPr>
           </a:p>
@@ -1987,15 +2146,22 @@
           </a:ln>
         </p:spPr>
         <p:style>
-          <a:lnRef idx="0"/>
-          <a:fillRef idx="0"/>
-          <a:effectRef idx="0"/>
+          <a:lnRef idx="0">
+            <a:scrgbClr r="0" g="0" b="0"/>
+          </a:lnRef>
+          <a:fillRef idx="0">
+            <a:scrgbClr r="0" g="0" b="0"/>
+          </a:fillRef>
+          <a:effectRef idx="0">
+            <a:scrgbClr r="0" g="0" b="0"/>
+          </a:effectRef>
           <a:fontRef idx="minor"/>
         </p:style>
         <p:txBody>
-          <a:bodyPr lIns="90000" rIns="90000" tIns="45000" bIns="45000" anchor="t">
+          <a:bodyPr lIns="90000" tIns="45000" rIns="90000" bIns="45000" anchor="t">
             <a:spAutoFit/>
           </a:bodyPr>
+          <a:lstStyle/>
           <a:p>
             <a:pPr algn="ctr">
               <a:lnSpc>
@@ -2004,16 +2170,16 @@
               <a:buNone/>
             </a:pPr>
             <a:r>
-              <a:rPr b="1" lang="fr-FR" sz="4400" spc="-1" strike="noStrike">
-                <a:solidFill>
-                  <a:srgbClr val="ffffff"/>
+              <a:rPr lang="fr-FR" sz="4400" b="1" strike="noStrike" spc="-1">
+                <a:solidFill>
+                  <a:srgbClr val="FFFFFF"/>
                 </a:solidFill>
                 <a:latin typeface="Calibri"/>
                 <a:ea typeface="DejaVu Sans"/>
               </a:rPr>
               <a:t>Évaluation Finale T4SU – </a:t>
             </a:r>
-            <a:endParaRPr b="0" lang="fr-FR" sz="4400" spc="-1" strike="noStrike">
+            <a:endParaRPr lang="fr-FR" sz="4400" b="0" strike="noStrike" spc="-1">
               <a:latin typeface="Arial"/>
             </a:endParaRPr>
           </a:p>
@@ -2025,16 +2191,16 @@
               <a:buNone/>
             </a:pPr>
             <a:r>
-              <a:rPr b="1" lang="fr-FR" sz="4400" spc="-1" strike="noStrike">
-                <a:solidFill>
-                  <a:srgbClr val="ffffff"/>
+              <a:rPr lang="fr-FR" sz="4400" b="1" strike="noStrike" spc="-1">
+                <a:solidFill>
+                  <a:srgbClr val="FFFFFF"/>
                 </a:solidFill>
                 <a:latin typeface="Calibri"/>
                 <a:ea typeface="DejaVu Sans"/>
               </a:rPr>
               <a:t>L’agence Marketing</a:t>
             </a:r>
-            <a:endParaRPr b="0" lang="fr-FR" sz="4400" spc="-1" strike="noStrike">
+            <a:endParaRPr lang="fr-FR" sz="4400" b="0" strike="noStrike" spc="-1">
               <a:latin typeface="Arial"/>
             </a:endParaRPr>
           </a:p>
@@ -2042,12 +2208,12 @@
       </p:sp>
       <p:pic>
         <p:nvPicPr>
-          <p:cNvPr id="43" name="Image1" descr=""/>
+          <p:cNvPr id="43" name="Image1"/>
           <p:cNvPicPr/>
           <p:nvPr/>
         </p:nvPicPr>
         <p:blipFill>
-          <a:blip r:embed="rId4"/>
+          <a:blip r:embed="rId5" cstate="print"/>
           <a:stretch/>
         </p:blipFill>
         <p:spPr>
@@ -2083,15 +2249,22 @@
           </a:ln>
         </p:spPr>
         <p:style>
-          <a:lnRef idx="0"/>
-          <a:fillRef idx="0"/>
-          <a:effectRef idx="0"/>
+          <a:lnRef idx="0">
+            <a:scrgbClr r="0" g="0" b="0"/>
+          </a:lnRef>
+          <a:fillRef idx="0">
+            <a:scrgbClr r="0" g="0" b="0"/>
+          </a:fillRef>
+          <a:effectRef idx="0">
+            <a:scrgbClr r="0" g="0" b="0"/>
+          </a:effectRef>
           <a:fontRef idx="minor"/>
         </p:style>
         <p:txBody>
-          <a:bodyPr lIns="90000" rIns="90000" tIns="45000" bIns="45000" anchor="t">
+          <a:bodyPr lIns="90000" tIns="45000" rIns="90000" bIns="45000" anchor="t">
             <a:spAutoFit/>
           </a:bodyPr>
+          <a:lstStyle/>
           <a:p>
             <a:pPr>
               <a:lnSpc>
@@ -2100,9 +2273,9 @@
               <a:buNone/>
             </a:pPr>
             <a:r>
-              <a:rPr b="1" lang="fr-FR" sz="2400" spc="-1" strike="noStrike" u="sng">
-                <a:solidFill>
-                  <a:srgbClr val="ffffff"/>
+              <a:rPr lang="fr-FR" sz="2400" b="1" u="sng" strike="noStrike" spc="-1">
+                <a:solidFill>
+                  <a:srgbClr val="FFFFFF"/>
                 </a:solidFill>
                 <a:uFillTx/>
                 <a:latin typeface="Calibri"/>
@@ -2110,7 +2283,7 @@
               </a:rPr>
               <a:t>Rapport présenté par :</a:t>
             </a:r>
-            <a:endParaRPr b="0" lang="fr-FR" sz="2400" spc="-1" strike="noStrike">
+            <a:endParaRPr lang="fr-FR" sz="2400" b="0" strike="noStrike" spc="-1">
               <a:latin typeface="Arial"/>
             </a:endParaRPr>
           </a:p>
@@ -2118,12 +2291,12 @@
       </p:sp>
       <p:pic>
         <p:nvPicPr>
-          <p:cNvPr id="45" name="image7.png" descr=""/>
+          <p:cNvPr id="45" name="image7.png"/>
           <p:cNvPicPr/>
           <p:nvPr/>
         </p:nvPicPr>
         <p:blipFill>
-          <a:blip r:embed="rId5"/>
+          <a:blip r:embed="rId6" cstate="print"/>
           <a:srcRect l="21174" t="24080" r="9345" b="22710"/>
           <a:stretch/>
         </p:blipFill>
@@ -2145,8 +2318,11 @@
       </p:pic>
     </p:spTree>
   </p:cSld>
-  <mc:AlternateContent>
-    <mc:Choice Requires="p14">
+  <p:clrMapOvr>
+    <a:masterClrMapping/>
+  </p:clrMapOvr>
+  <mc:AlternateContent xmlns:mc="http://schemas.openxmlformats.org/markup-compatibility/2006">
+    <mc:Choice xmlns:p15="http://schemas.microsoft.com/office/powerpoint/2012/main" xmlns:p14="http://schemas.microsoft.com/office/powerpoint/2010/main" xmlns="" Requires="p14">
       <p:transition spd="slow" p14:dur="2000"/>
     </mc:Choice>
     <mc:Fallback>
@@ -2157,7 +2333,7 @@
 </file>
 
 <file path=ppt/slides/slide10.xml><?xml version="1.0" encoding="utf-8"?>
-<p:sld xmlns:a="http://schemas.openxmlformats.org/drawingml/2006/main" xmlns:p="http://schemas.openxmlformats.org/presentationml/2006/main" xmlns:r="http://schemas.openxmlformats.org/officeDocument/2006/relationships" xmlns:p14="http://schemas.microsoft.com/office/powerpoint/2010/main" xmlns:p15="http://schemas.microsoft.com/office/powerpoint/2012/main" xmlns:mc="http://schemas.openxmlformats.org/markup-compatibility/2006">
+<p:sld xmlns:a="http://schemas.openxmlformats.org/drawingml/2006/main" xmlns:r="http://schemas.openxmlformats.org/officeDocument/2006/relationships" xmlns:p="http://schemas.openxmlformats.org/presentationml/2006/main">
   <p:cSld>
     <p:spTree>
       <p:nvGrpSpPr>
@@ -2192,7 +2368,7 @@
             <a:avLst/>
           </a:prstGeom>
           <a:solidFill>
-            <a:srgbClr val="ffff00"/>
+            <a:srgbClr val="FFFF00"/>
           </a:solidFill>
           <a:ln w="0">
             <a:solidFill>
@@ -2201,9 +2377,10 @@
           </a:ln>
         </p:spPr>
         <p:txBody>
-          <a:bodyPr lIns="90000" rIns="90000" tIns="45000" bIns="45000" anchor="ctr">
+          <a:bodyPr lIns="90000" tIns="45000" rIns="90000" bIns="45000" anchor="ctr">
             <a:noAutofit/>
           </a:bodyPr>
+          <a:lstStyle/>
           <a:p>
             <a:pPr algn="ctr">
               <a:lnSpc>
@@ -2212,7 +2389,7 @@
               <a:buNone/>
             </a:pPr>
             <a:r>
-              <a:rPr b="1" lang="fr-FR" sz="4400" spc="-1" strike="noStrike">
+              <a:rPr lang="fr-FR" sz="4400" b="1" strike="noStrike" spc="-1">
                 <a:solidFill>
                   <a:srgbClr val="002060"/>
                 </a:solidFill>
@@ -2220,7 +2397,7 @@
               </a:rPr>
               <a:t>Audit SEO</a:t>
             </a:r>
-            <a:endParaRPr b="0" lang="fr-FR" sz="4400" spc="-1" strike="noStrike">
+            <a:endParaRPr lang="fr-FR" sz="4400" b="0" strike="noStrike" spc="-1">
               <a:latin typeface="Arial"/>
             </a:endParaRPr>
           </a:p>
@@ -2247,14 +2424,15 @@
           <a:noFill/>
           <a:ln w="0">
             <a:solidFill>
-              <a:srgbClr val="ffff00"/>
+              <a:srgbClr val="FFFF00"/>
             </a:solidFill>
           </a:ln>
         </p:spPr>
         <p:txBody>
-          <a:bodyPr lIns="90000" rIns="90000" tIns="45000" bIns="45000" anchor="t">
+          <a:bodyPr lIns="90000" tIns="45000" rIns="90000" bIns="45000" anchor="t">
             <a:normAutofit/>
           </a:bodyPr>
+          <a:lstStyle/>
           <a:p>
             <a:pPr marL="343080" indent="-343080">
               <a:lnSpc>
@@ -2270,7 +2448,7 @@
               <a:buChar char="•"/>
             </a:pPr>
             <a:r>
-              <a:rPr b="0" lang="fr-FR" sz="2400" spc="-1" strike="noStrike">
+              <a:rPr lang="fr-FR" sz="2400" b="0" strike="noStrike" spc="-1">
                 <a:solidFill>
                   <a:srgbClr val="000000"/>
                 </a:solidFill>
@@ -2279,7 +2457,7 @@
               <a:t>Concurrents avec un faible positionnement sur Google et des mots-clés inadéquats avec l’activité de </a:t>
             </a:r>
             <a:r>
-              <a:rPr b="0" i="1" lang="fr-FR" sz="2400" spc="-1" strike="noStrike">
+              <a:rPr lang="fr-FR" sz="2400" b="0" i="1" strike="noStrike" spc="-1">
                 <a:solidFill>
                   <a:srgbClr val="000000"/>
                 </a:solidFill>
@@ -2287,7 +2465,7 @@
               </a:rPr>
               <a:t>EA Design</a:t>
             </a:r>
-            <a:endParaRPr b="0" lang="fr-FR" sz="2400" spc="-1" strike="noStrike">
+            <a:endParaRPr lang="fr-FR" sz="2400" b="0" strike="noStrike" spc="-1">
               <a:latin typeface="Arial"/>
             </a:endParaRPr>
           </a:p>
@@ -2301,7 +2479,7 @@
               </a:spcBef>
               <a:buNone/>
             </a:pPr>
-            <a:endParaRPr b="0" lang="fr-FR" sz="2400" spc="-1" strike="noStrike">
+            <a:endParaRPr lang="fr-FR" sz="2400" b="0" strike="noStrike" spc="-1">
               <a:latin typeface="Arial"/>
             </a:endParaRPr>
           </a:p>
@@ -2320,7 +2498,7 @@
               <a:buChar char="•"/>
             </a:pPr>
             <a:r>
-              <a:rPr b="0" lang="fr-FR" sz="2400" spc="-1" strike="noStrike">
+              <a:rPr lang="fr-FR" sz="2400" b="0" strike="noStrike" spc="-1">
                 <a:solidFill>
                   <a:srgbClr val="000000"/>
                 </a:solidFill>
@@ -2329,16 +2507,16 @@
               <a:t>Stratégie SEO basée sur un </a:t>
             </a:r>
             <a:r>
-              <a:rPr b="1" lang="fr-FR" sz="2400" spc="-1" strike="noStrike">
-                <a:solidFill>
-                  <a:srgbClr val="ffc000"/>
+              <a:rPr lang="fr-FR" sz="2400" b="1" strike="noStrike" spc="-1">
+                <a:solidFill>
+                  <a:srgbClr val="FFC000"/>
                 </a:solidFill>
                 <a:latin typeface="Calibri"/>
               </a:rPr>
               <a:t>marketing de contenu </a:t>
             </a:r>
             <a:r>
-              <a:rPr b="0" lang="fr-FR" sz="2400" spc="-1" strike="noStrike">
+              <a:rPr lang="fr-FR" sz="2400" b="0" strike="noStrike" spc="-1">
                 <a:solidFill>
                   <a:srgbClr val="000000"/>
                 </a:solidFill>
@@ -2346,7 +2524,7 @@
               </a:rPr>
               <a:t>pertinent.</a:t>
             </a:r>
-            <a:endParaRPr b="0" lang="fr-FR" sz="2400" spc="-1" strike="noStrike">
+            <a:endParaRPr lang="fr-FR" sz="2400" b="0" strike="noStrike" spc="-1">
               <a:latin typeface="Arial"/>
             </a:endParaRPr>
           </a:p>
@@ -2360,7 +2538,7 @@
               </a:spcBef>
               <a:buNone/>
             </a:pPr>
-            <a:endParaRPr b="0" lang="fr-FR" sz="2400" spc="-1" strike="noStrike">
+            <a:endParaRPr lang="fr-FR" sz="2400" b="0" strike="noStrike" spc="-1">
               <a:latin typeface="Arial"/>
             </a:endParaRPr>
           </a:p>
@@ -2379,7 +2557,7 @@
               <a:buChar char="•"/>
             </a:pPr>
             <a:r>
-              <a:rPr b="0" lang="fr-FR" sz="2400" spc="-1" strike="noStrike">
+              <a:rPr lang="fr-FR" sz="2400" b="0" strike="noStrike" spc="-1">
                 <a:solidFill>
                   <a:srgbClr val="000000"/>
                 </a:solidFill>
@@ -2388,16 +2566,16 @@
               <a:t>Choix de </a:t>
             </a:r>
             <a:r>
-              <a:rPr b="1" lang="fr-FR" sz="2400" spc="-1" strike="noStrike">
-                <a:solidFill>
-                  <a:srgbClr val="ffc000"/>
+              <a:rPr lang="fr-FR" sz="2400" b="1" strike="noStrike" spc="-1">
+                <a:solidFill>
+                  <a:srgbClr val="FFC000"/>
                 </a:solidFill>
                 <a:latin typeface="Calibri"/>
               </a:rPr>
               <a:t>mots-clés</a:t>
             </a:r>
             <a:r>
-              <a:rPr b="0" lang="fr-FR" sz="2400" spc="-1" strike="noStrike">
+              <a:rPr lang="fr-FR" sz="2400" b="0" strike="noStrike" spc="-1">
                 <a:solidFill>
                   <a:srgbClr val="000000"/>
                 </a:solidFill>
@@ -2405,7 +2583,7 @@
               </a:rPr>
               <a:t> adéquats : création graphique en Côte d’Ivoire, design graphique en Côte d’Ivoire...etc.</a:t>
             </a:r>
-            <a:endParaRPr b="0" lang="fr-FR" sz="2400" spc="-1" strike="noStrike">
+            <a:endParaRPr lang="fr-FR" sz="2400" b="0" strike="noStrike" spc="-1">
               <a:latin typeface="Arial"/>
             </a:endParaRPr>
           </a:p>
@@ -2419,7 +2597,7 @@
               </a:spcBef>
               <a:buNone/>
             </a:pPr>
-            <a:endParaRPr b="0" lang="fr-FR" sz="2400" spc="-1" strike="noStrike">
+            <a:endParaRPr lang="fr-FR" sz="2400" b="0" strike="noStrike" spc="-1">
               <a:latin typeface="Arial"/>
             </a:endParaRPr>
           </a:p>
@@ -2438,7 +2616,7 @@
               <a:buChar char="•"/>
             </a:pPr>
             <a:r>
-              <a:rPr b="0" lang="fr-FR" sz="2400" spc="-1" strike="noStrike">
+              <a:rPr lang="fr-FR" sz="2400" b="0" strike="noStrike" spc="-1">
                 <a:solidFill>
                   <a:srgbClr val="000000"/>
                 </a:solidFill>
@@ -2447,16 +2625,16 @@
               <a:t>Création d’un site internet avec un </a:t>
             </a:r>
             <a:r>
-              <a:rPr b="1" lang="fr-FR" sz="2400" spc="-1" strike="noStrike">
-                <a:solidFill>
-                  <a:srgbClr val="ffc000"/>
+              <a:rPr lang="fr-FR" sz="2400" b="1" strike="noStrike" spc="-1">
+                <a:solidFill>
+                  <a:srgbClr val="FFC000"/>
                 </a:solidFill>
                 <a:latin typeface="Calibri"/>
               </a:rPr>
               <a:t>Blog</a:t>
             </a:r>
             <a:r>
-              <a:rPr b="0" lang="fr-FR" sz="2400" spc="-1" strike="noStrike">
+              <a:rPr lang="fr-FR" sz="2400" b="0" strike="noStrike" spc="-1">
                 <a:solidFill>
                   <a:srgbClr val="000000"/>
                 </a:solidFill>
@@ -2465,15 +2643,15 @@
               <a:t> et une </a:t>
             </a:r>
             <a:r>
-              <a:rPr b="1" lang="fr-FR" sz="2400" spc="-1" strike="noStrike">
-                <a:solidFill>
-                  <a:srgbClr val="ffc000"/>
+              <a:rPr lang="fr-FR" sz="2400" b="1" strike="noStrike" spc="-1">
+                <a:solidFill>
+                  <a:srgbClr val="FFC000"/>
                 </a:solidFill>
                 <a:latin typeface="Calibri"/>
               </a:rPr>
               <a:t>Newsletter</a:t>
             </a:r>
-            <a:endParaRPr b="0" lang="fr-FR" sz="2400" spc="-1" strike="noStrike">
+            <a:endParaRPr lang="fr-FR" sz="2400" b="0" strike="noStrike" spc="-1">
               <a:latin typeface="Arial"/>
             </a:endParaRPr>
           </a:p>
@@ -2481,8 +2659,11 @@
       </p:sp>
     </p:spTree>
   </p:cSld>
-  <mc:AlternateContent>
-    <mc:Choice Requires="p14">
+  <p:clrMapOvr>
+    <a:masterClrMapping/>
+  </p:clrMapOvr>
+  <mc:AlternateContent xmlns:mc="http://schemas.openxmlformats.org/markup-compatibility/2006">
+    <mc:Choice xmlns:p15="http://schemas.microsoft.com/office/powerpoint/2012/main" xmlns:p14="http://schemas.microsoft.com/office/powerpoint/2010/main" xmlns="" Requires="p14">
       <p:transition spd="slow" p14:dur="2000"/>
     </mc:Choice>
     <mc:Fallback>
@@ -2493,7 +2674,7 @@
 </file>
 
 <file path=ppt/slides/slide11.xml><?xml version="1.0" encoding="utf-8"?>
-<p:sld xmlns:a="http://schemas.openxmlformats.org/drawingml/2006/main" xmlns:p="http://schemas.openxmlformats.org/presentationml/2006/main" xmlns:r="http://schemas.openxmlformats.org/officeDocument/2006/relationships" xmlns:p14="http://schemas.microsoft.com/office/powerpoint/2010/main" xmlns:p15="http://schemas.microsoft.com/office/powerpoint/2012/main" xmlns:mc="http://schemas.openxmlformats.org/markup-compatibility/2006">
+<p:sld xmlns:a="http://schemas.openxmlformats.org/drawingml/2006/main" xmlns:r="http://schemas.openxmlformats.org/officeDocument/2006/relationships" xmlns:p="http://schemas.openxmlformats.org/presentationml/2006/main">
   <p:cSld>
     <p:spTree>
       <p:nvGrpSpPr>
@@ -2532,14 +2713,15 @@
           </a:solidFill>
           <a:ln w="0">
             <a:solidFill>
-              <a:srgbClr val="ffff00"/>
+              <a:srgbClr val="FFFF00"/>
             </a:solidFill>
           </a:ln>
         </p:spPr>
         <p:txBody>
-          <a:bodyPr lIns="90000" rIns="90000" tIns="45000" bIns="45000" anchor="ctr">
+          <a:bodyPr lIns="90000" tIns="45000" rIns="90000" bIns="45000" anchor="ctr">
             <a:noAutofit/>
           </a:bodyPr>
+          <a:lstStyle/>
           <a:p>
             <a:pPr algn="ctr">
               <a:lnSpc>
@@ -2548,15 +2730,15 @@
               <a:buNone/>
             </a:pPr>
             <a:r>
-              <a:rPr b="1" lang="fr-FR" sz="4400" spc="-1" strike="noStrike">
-                <a:solidFill>
-                  <a:srgbClr val="ffff00"/>
+              <a:rPr lang="fr-FR" sz="4400" b="1" strike="noStrike" spc="-1">
+                <a:solidFill>
+                  <a:srgbClr val="FFFF00"/>
                 </a:solidFill>
                 <a:latin typeface="Calibri"/>
               </a:rPr>
               <a:t>Audit SEA</a:t>
             </a:r>
-            <a:endParaRPr b="0" lang="fr-FR" sz="4400" spc="-1" strike="noStrike">
+            <a:endParaRPr lang="fr-FR" sz="4400" b="0" strike="noStrike" spc="-1">
               <a:latin typeface="Arial"/>
             </a:endParaRPr>
           </a:p>
@@ -2586,9 +2768,10 @@
           </a:ln>
         </p:spPr>
         <p:txBody>
-          <a:bodyPr lIns="90000" rIns="90000" tIns="45000" bIns="45000" anchor="t">
+          <a:bodyPr lIns="90000" tIns="45000" rIns="90000" bIns="45000" anchor="t">
             <a:noAutofit/>
           </a:bodyPr>
+          <a:lstStyle/>
           <a:p>
             <a:pPr marL="343080" indent="-343080">
               <a:lnSpc>
@@ -2604,7 +2787,7 @@
               <a:buChar char="•"/>
             </a:pPr>
             <a:r>
-              <a:rPr b="0" lang="fr-FR" sz="3200" spc="-1" strike="noStrike">
+              <a:rPr lang="fr-FR" sz="3200" b="0" strike="noStrike" spc="-1">
                 <a:solidFill>
                   <a:srgbClr val="000000"/>
                 </a:solidFill>
@@ -2612,7 +2795,7 @@
               </a:rPr>
               <a:t>Campagne Google Ads = opportunité pour EA Design de se faire connaître.</a:t>
             </a:r>
-            <a:endParaRPr b="0" lang="fr-FR" sz="3200" spc="-1" strike="noStrike">
+            <a:endParaRPr lang="fr-FR" sz="3200" b="0" strike="noStrike" spc="-1">
               <a:latin typeface="Arial"/>
             </a:endParaRPr>
           </a:p>
@@ -2626,7 +2809,7 @@
               </a:spcBef>
               <a:buNone/>
             </a:pPr>
-            <a:endParaRPr b="0" lang="fr-FR" sz="3200" spc="-1" strike="noStrike">
+            <a:endParaRPr lang="fr-FR" sz="3200" b="0" strike="noStrike" spc="-1">
               <a:latin typeface="Arial"/>
             </a:endParaRPr>
           </a:p>
@@ -2645,7 +2828,7 @@
               <a:buChar char="•"/>
             </a:pPr>
             <a:r>
-              <a:rPr b="0" lang="fr-FR" sz="3200" spc="-1" strike="noStrike">
+              <a:rPr lang="fr-FR" sz="3200" b="0" strike="noStrike" spc="-1">
                 <a:solidFill>
                   <a:srgbClr val="000000"/>
                 </a:solidFill>
@@ -2653,7 +2836,7 @@
               </a:rPr>
               <a:t>Les principaux concurrents directs n’effectuent pas de campagne Google Ads.</a:t>
             </a:r>
-            <a:endParaRPr b="0" lang="fr-FR" sz="3200" spc="-1" strike="noStrike">
+            <a:endParaRPr lang="fr-FR" sz="3200" b="0" strike="noStrike" spc="-1">
               <a:latin typeface="Arial"/>
             </a:endParaRPr>
           </a:p>
@@ -2667,7 +2850,7 @@
               </a:spcBef>
               <a:buNone/>
             </a:pPr>
-            <a:endParaRPr b="0" lang="fr-FR" sz="3200" spc="-1" strike="noStrike">
+            <a:endParaRPr lang="fr-FR" sz="3200" b="0" strike="noStrike" spc="-1">
               <a:latin typeface="Arial"/>
             </a:endParaRPr>
           </a:p>
@@ -2686,7 +2869,7 @@
               <a:buChar char="•"/>
             </a:pPr>
             <a:r>
-              <a:rPr b="0" lang="fr-FR" sz="3200" spc="-1" strike="noStrike">
+              <a:rPr lang="fr-FR" sz="3200" b="0" strike="noStrike" spc="-1">
                 <a:solidFill>
                   <a:srgbClr val="000000"/>
                 </a:solidFill>
@@ -2694,7 +2877,7 @@
               </a:rPr>
               <a:t>Source de trafic qualifié et chaud = énorme potentiel de conversion.</a:t>
             </a:r>
-            <a:endParaRPr b="0" lang="fr-FR" sz="3200" spc="-1" strike="noStrike">
+            <a:endParaRPr lang="fr-FR" sz="3200" b="0" strike="noStrike" spc="-1">
               <a:latin typeface="Arial"/>
             </a:endParaRPr>
           </a:p>
@@ -2708,7 +2891,7 @@
               </a:spcBef>
               <a:buNone/>
             </a:pPr>
-            <a:endParaRPr b="0" lang="fr-FR" sz="3200" spc="-1" strike="noStrike">
+            <a:endParaRPr lang="fr-FR" sz="3200" b="0" strike="noStrike" spc="-1">
               <a:latin typeface="Arial"/>
             </a:endParaRPr>
           </a:p>
@@ -2716,8 +2899,11 @@
       </p:sp>
     </p:spTree>
   </p:cSld>
-  <mc:AlternateContent>
-    <mc:Choice Requires="p14">
+  <p:clrMapOvr>
+    <a:masterClrMapping/>
+  </p:clrMapOvr>
+  <mc:AlternateContent xmlns:mc="http://schemas.openxmlformats.org/markup-compatibility/2006">
+    <mc:Choice xmlns:p15="http://schemas.microsoft.com/office/powerpoint/2012/main" xmlns:p14="http://schemas.microsoft.com/office/powerpoint/2010/main" xmlns="" Requires="p14">
       <p:transition spd="slow" p14:dur="2000"/>
     </mc:Choice>
     <mc:Fallback>
@@ -2728,7 +2914,7 @@
 </file>
 
 <file path=ppt/slides/slide12.xml><?xml version="1.0" encoding="utf-8"?>
-<p:sld xmlns:a="http://schemas.openxmlformats.org/drawingml/2006/main" xmlns:p="http://schemas.openxmlformats.org/presentationml/2006/main" xmlns:r="http://schemas.openxmlformats.org/officeDocument/2006/relationships" xmlns:p14="http://schemas.microsoft.com/office/powerpoint/2010/main" xmlns:p15="http://schemas.microsoft.com/office/powerpoint/2012/main" xmlns:mc="http://schemas.openxmlformats.org/markup-compatibility/2006">
+<p:sld xmlns:a="http://schemas.openxmlformats.org/drawingml/2006/main" xmlns:r="http://schemas.openxmlformats.org/officeDocument/2006/relationships" xmlns:p="http://schemas.openxmlformats.org/presentationml/2006/main">
   <p:cSld>
     <p:spTree>
       <p:nvGrpSpPr>
@@ -2763,7 +2949,7 @@
             <a:avLst/>
           </a:prstGeom>
           <a:solidFill>
-            <a:srgbClr val="ffff00"/>
+            <a:srgbClr val="FFFF00"/>
           </a:solidFill>
           <a:ln w="0">
             <a:solidFill>
@@ -2772,9 +2958,10 @@
           </a:ln>
         </p:spPr>
         <p:txBody>
-          <a:bodyPr lIns="90000" rIns="90000" tIns="45000" bIns="45000" anchor="ctr">
+          <a:bodyPr lIns="90000" tIns="45000" rIns="90000" bIns="45000" anchor="ctr">
             <a:noAutofit/>
           </a:bodyPr>
+          <a:lstStyle/>
           <a:p>
             <a:pPr algn="ctr">
               <a:lnSpc>
@@ -2783,7 +2970,7 @@
               <a:buNone/>
             </a:pPr>
             <a:r>
-              <a:rPr b="1" lang="fr-FR" sz="4400" spc="-1" strike="noStrike">
+              <a:rPr lang="fr-FR" sz="4400" b="1" strike="noStrike" spc="-1">
                 <a:solidFill>
                   <a:srgbClr val="002060"/>
                 </a:solidFill>
@@ -2791,7 +2978,7 @@
               </a:rPr>
               <a:t>Création de Contenu</a:t>
             </a:r>
-            <a:endParaRPr b="0" lang="fr-FR" sz="4400" spc="-1" strike="noStrike">
+            <a:endParaRPr lang="fr-FR" sz="4400" b="0" strike="noStrike" spc="-1">
               <a:latin typeface="Arial"/>
             </a:endParaRPr>
           </a:p>
@@ -2821,9 +3008,10 @@
           </a:ln>
         </p:spPr>
         <p:txBody>
-          <a:bodyPr lIns="90000" rIns="90000" tIns="45000" bIns="45000" anchor="t">
-            <a:normAutofit fontScale="78000"/>
+          <a:bodyPr lIns="90000" tIns="45000" rIns="90000" bIns="45000" anchor="t">
+            <a:normAutofit fontScale="85500" lnSpcReduction="20000"/>
           </a:bodyPr>
+          <a:lstStyle/>
           <a:p>
             <a:pPr marL="343080" indent="-343080">
               <a:lnSpc>
@@ -2839,7 +3027,7 @@
               <a:buChar char="•"/>
             </a:pPr>
             <a:r>
-              <a:rPr b="0" lang="fr-FR" sz="3200" spc="-1" strike="noStrike" u="sng">
+              <a:rPr lang="fr-FR" sz="3200" b="0" u="sng" strike="noStrike" spc="-1" dirty="0">
                 <a:solidFill>
                   <a:srgbClr val="000000"/>
                 </a:solidFill>
@@ -2848,7 +3036,7 @@
               </a:rPr>
               <a:t>Exemples de contenus rédactionnels :</a:t>
             </a:r>
-            <a:endParaRPr b="0" lang="fr-FR" sz="3200" spc="-1" strike="noStrike">
+            <a:endParaRPr lang="fr-FR" sz="3200" b="0" strike="noStrike" spc="-1" dirty="0">
               <a:latin typeface="Arial"/>
             </a:endParaRPr>
           </a:p>
@@ -2862,10 +3050,10 @@
               </a:spcBef>
               <a:buNone/>
               <a:tabLst>
-                <a:tab algn="l" pos="0"/>
+                <a:tab pos="0" algn="l"/>
               </a:tabLst>
             </a:pPr>
-            <a:endParaRPr b="0" lang="fr-FR" sz="3200" spc="-1" strike="noStrike">
+            <a:endParaRPr lang="fr-FR" sz="3200" b="0" strike="noStrike" spc="-1" dirty="0">
               <a:latin typeface="Arial"/>
             </a:endParaRPr>
           </a:p>
@@ -2879,11 +3067,11 @@
               </a:spcBef>
               <a:buNone/>
               <a:tabLst>
-                <a:tab algn="l" pos="0"/>
+                <a:tab pos="0" algn="l"/>
               </a:tabLst>
             </a:pPr>
             <a:r>
-              <a:rPr b="0" lang="fr-FR" sz="2000" spc="-1" strike="noStrike">
+              <a:rPr lang="fr-FR" sz="2000" b="0" strike="noStrike" spc="-1" dirty="0">
                 <a:solidFill>
                   <a:srgbClr val="000000"/>
                 </a:solidFill>
@@ -2891,7 +3079,7 @@
               </a:rPr>
               <a:t>Article 1 : Comment gagner de l'argent grâce à la photographie ?</a:t>
             </a:r>
-            <a:endParaRPr b="0" lang="fr-FR" sz="2000" spc="-1" strike="noStrike">
+            <a:endParaRPr lang="fr-FR" sz="2000" b="0" strike="noStrike" spc="-1" dirty="0">
               <a:latin typeface="Arial"/>
             </a:endParaRPr>
           </a:p>
@@ -2905,10 +3093,10 @@
               </a:spcBef>
               <a:buNone/>
               <a:tabLst>
-                <a:tab algn="l" pos="0"/>
+                <a:tab pos="0" algn="l"/>
               </a:tabLst>
             </a:pPr>
-            <a:endParaRPr b="0" lang="fr-FR" sz="2000" spc="-1" strike="noStrike">
+            <a:endParaRPr lang="fr-FR" sz="2000" b="0" strike="noStrike" spc="-1" dirty="0">
               <a:latin typeface="Arial"/>
             </a:endParaRPr>
           </a:p>
@@ -2922,11 +3110,11 @@
               </a:spcBef>
               <a:buNone/>
               <a:tabLst>
-                <a:tab algn="l" pos="0"/>
+                <a:tab pos="0" algn="l"/>
               </a:tabLst>
             </a:pPr>
             <a:r>
-              <a:rPr b="0" lang="fr-FR" sz="2000" spc="-1" strike="noStrike">
+              <a:rPr lang="fr-FR" sz="2000" b="0" strike="noStrike" spc="-1" dirty="0">
                 <a:solidFill>
                   <a:srgbClr val="000000"/>
                 </a:solidFill>
@@ -2934,7 +3122,7 @@
               </a:rPr>
               <a:t>Article 2 : 5 choses qu’il faut absolument savoir avant d’être graphiste !</a:t>
             </a:r>
-            <a:endParaRPr b="0" lang="fr-FR" sz="2000" spc="-1" strike="noStrike">
+            <a:endParaRPr lang="fr-FR" sz="2000" b="0" strike="noStrike" spc="-1" dirty="0">
               <a:latin typeface="Arial"/>
             </a:endParaRPr>
           </a:p>
@@ -2948,10 +3136,10 @@
               </a:spcBef>
               <a:buNone/>
               <a:tabLst>
-                <a:tab algn="l" pos="0"/>
+                <a:tab pos="0" algn="l"/>
               </a:tabLst>
             </a:pPr>
-            <a:endParaRPr b="0" lang="fr-FR" sz="2000" spc="-1" strike="noStrike">
+            <a:endParaRPr lang="fr-FR" sz="2000" b="0" strike="noStrike" spc="-1" dirty="0">
               <a:latin typeface="Arial"/>
             </a:endParaRPr>
           </a:p>
@@ -2965,19 +3153,37 @@
               </a:spcBef>
               <a:buNone/>
               <a:tabLst>
-                <a:tab algn="l" pos="0"/>
+                <a:tab pos="0" algn="l"/>
               </a:tabLst>
             </a:pPr>
             <a:r>
-              <a:rPr b="0" lang="fr-FR" sz="2000" spc="-1" strike="noStrike">
-                <a:solidFill>
-                  <a:srgbClr val="000000"/>
-                </a:solidFill>
-                <a:latin typeface="Calibri"/>
-              </a:rPr>
-              <a:t>Article 3 : Le Community Management, c’est quoi ?</a:t>
-            </a:r>
-            <a:endParaRPr b="0" lang="fr-FR" sz="2000" spc="-1" strike="noStrike">
+              <a:rPr lang="fr-FR" sz="2000" b="0" strike="noStrike" spc="-1" dirty="0">
+                <a:solidFill>
+                  <a:srgbClr val="000000"/>
+                </a:solidFill>
+                <a:latin typeface="Calibri"/>
+              </a:rPr>
+              <a:t>Article 3 : Le </a:t>
+            </a:r>
+            <a:r>
+              <a:rPr lang="fr-FR" sz="2000" b="0" strike="noStrike" spc="-1" dirty="0" err="1">
+                <a:solidFill>
+                  <a:srgbClr val="000000"/>
+                </a:solidFill>
+                <a:latin typeface="Calibri"/>
+              </a:rPr>
+              <a:t>Community</a:t>
+            </a:r>
+            <a:r>
+              <a:rPr lang="fr-FR" sz="2000" b="0" strike="noStrike" spc="-1" dirty="0">
+                <a:solidFill>
+                  <a:srgbClr val="000000"/>
+                </a:solidFill>
+                <a:latin typeface="Calibri"/>
+              </a:rPr>
+              <a:t> Management, c’est quoi ?</a:t>
+            </a:r>
+            <a:endParaRPr lang="fr-FR" sz="2000" b="0" strike="noStrike" spc="-1" dirty="0">
               <a:latin typeface="Arial"/>
             </a:endParaRPr>
           </a:p>
@@ -2991,10 +3197,10 @@
               </a:spcBef>
               <a:buNone/>
               <a:tabLst>
-                <a:tab algn="l" pos="0"/>
+                <a:tab pos="0" algn="l"/>
               </a:tabLst>
             </a:pPr>
-            <a:endParaRPr b="0" lang="fr-FR" sz="2000" spc="-1" strike="noStrike">
+            <a:endParaRPr lang="fr-FR" sz="2000" b="0" strike="noStrike" spc="-1" dirty="0">
               <a:latin typeface="Arial"/>
             </a:endParaRPr>
           </a:p>
@@ -3008,11 +3214,11 @@
               </a:spcBef>
               <a:buNone/>
               <a:tabLst>
-                <a:tab algn="l" pos="0"/>
+                <a:tab pos="0" algn="l"/>
               </a:tabLst>
             </a:pPr>
             <a:r>
-              <a:rPr b="0" lang="fr-FR" sz="2000" spc="-1" strike="noStrike">
+              <a:rPr lang="fr-FR" sz="2000" b="0" strike="noStrike" spc="-1" dirty="0">
                 <a:solidFill>
                   <a:srgbClr val="000000"/>
                 </a:solidFill>
@@ -3020,7 +3226,7 @@
               </a:rPr>
               <a:t>Story : Présentation de l’entreprise et de ses services</a:t>
             </a:r>
-            <a:endParaRPr b="0" lang="fr-FR" sz="2000" spc="-1" strike="noStrike">
+            <a:endParaRPr lang="fr-FR" sz="2000" b="0" strike="noStrike" spc="-1" dirty="0">
               <a:latin typeface="Arial"/>
             </a:endParaRPr>
           </a:p>
@@ -3034,10 +3240,10 @@
               </a:spcBef>
               <a:buNone/>
               <a:tabLst>
-                <a:tab algn="l" pos="0"/>
+                <a:tab pos="0" algn="l"/>
               </a:tabLst>
             </a:pPr>
-            <a:endParaRPr b="0" lang="fr-FR" sz="2000" spc="-1" strike="noStrike">
+            <a:endParaRPr lang="fr-FR" sz="2000" b="0" strike="noStrike" spc="-1" dirty="0">
               <a:latin typeface="Arial"/>
             </a:endParaRPr>
           </a:p>
@@ -3051,19 +3257,28 @@
               </a:spcBef>
               <a:buNone/>
               <a:tabLst>
-                <a:tab algn="l" pos="0"/>
+                <a:tab pos="0" algn="l"/>
               </a:tabLst>
             </a:pPr>
             <a:r>
-              <a:rPr b="0" lang="fr-FR" sz="2000" spc="-1" strike="noStrike">
-                <a:solidFill>
-                  <a:srgbClr val="000000"/>
-                </a:solidFill>
-                <a:latin typeface="Calibri"/>
-              </a:rPr>
-              <a:t>Vidéo :</a:t>
-            </a:r>
-            <a:endParaRPr b="0" lang="fr-FR" sz="2000" spc="-1" strike="noStrike">
+              <a:rPr lang="fr-FR" sz="2000" b="0" strike="noStrike" spc="-1" dirty="0">
+                <a:solidFill>
+                  <a:srgbClr val="000000"/>
+                </a:solidFill>
+                <a:latin typeface="Calibri"/>
+              </a:rPr>
+              <a:t>Vidéo </a:t>
+            </a:r>
+            <a:r>
+              <a:rPr lang="fr-FR" sz="2000" b="0" strike="noStrike" spc="-1" dirty="0" smtClean="0">
+                <a:solidFill>
+                  <a:srgbClr val="000000"/>
+                </a:solidFill>
+                <a:latin typeface="Calibri"/>
+              </a:rPr>
+              <a:t>: Fête de noël, 3 conseils pour avoir de belles photos de profil</a:t>
+            </a:r>
+            <a:endParaRPr lang="fr-FR" sz="2000" b="0" strike="noStrike" spc="-1" dirty="0">
               <a:latin typeface="Arial"/>
             </a:endParaRPr>
           </a:p>
@@ -3077,10 +3292,10 @@
               </a:spcBef>
               <a:buNone/>
               <a:tabLst>
-                <a:tab algn="l" pos="0"/>
+                <a:tab pos="0" algn="l"/>
               </a:tabLst>
             </a:pPr>
-            <a:endParaRPr b="0" lang="fr-FR" sz="2000" spc="-1" strike="noStrike">
+            <a:endParaRPr lang="fr-FR" sz="2000" b="0" strike="noStrike" spc="-1" dirty="0">
               <a:latin typeface="Arial"/>
             </a:endParaRPr>
           </a:p>
@@ -3094,19 +3309,28 @@
               </a:spcBef>
               <a:buNone/>
               <a:tabLst>
-                <a:tab algn="l" pos="0"/>
+                <a:tab pos="0" algn="l"/>
               </a:tabLst>
             </a:pPr>
             <a:r>
-              <a:rPr b="0" lang="fr-FR" sz="2000" spc="-1" strike="noStrike">
-                <a:solidFill>
-                  <a:srgbClr val="000000"/>
-                </a:solidFill>
-                <a:latin typeface="Calibri"/>
-              </a:rPr>
-              <a:t>Post :</a:t>
-            </a:r>
-            <a:endParaRPr b="0" lang="fr-FR" sz="2000" spc="-1" strike="noStrike">
+              <a:rPr lang="fr-FR" sz="2000" b="0" strike="noStrike" spc="-1" dirty="0">
+                <a:solidFill>
+                  <a:srgbClr val="000000"/>
+                </a:solidFill>
+                <a:latin typeface="Calibri"/>
+              </a:rPr>
+              <a:t>Post </a:t>
+            </a:r>
+            <a:r>
+              <a:rPr lang="fr-FR" sz="2000" b="0" strike="noStrike" spc="-1" dirty="0" smtClean="0">
+                <a:solidFill>
+                  <a:srgbClr val="000000"/>
+                </a:solidFill>
+                <a:latin typeface="Calibri"/>
+              </a:rPr>
+              <a:t>: Journée internationale des volontaires, Nouvel an</a:t>
+            </a:r>
+            <a:endParaRPr lang="fr-FR" sz="2000" b="0" strike="noStrike" spc="-1" dirty="0">
               <a:latin typeface="Arial"/>
             </a:endParaRPr>
           </a:p>
@@ -3120,10 +3344,10 @@
               </a:spcBef>
               <a:buNone/>
               <a:tabLst>
-                <a:tab algn="l" pos="0"/>
+                <a:tab pos="0" algn="l"/>
               </a:tabLst>
             </a:pPr>
-            <a:endParaRPr b="0" lang="fr-FR" sz="2000" spc="-1" strike="noStrike">
+            <a:endParaRPr lang="fr-FR" sz="2000" b="0" strike="noStrike" spc="-1" dirty="0">
               <a:latin typeface="Arial"/>
             </a:endParaRPr>
           </a:p>
@@ -3137,19 +3361,28 @@
               </a:spcBef>
               <a:buNone/>
               <a:tabLst>
-                <a:tab algn="l" pos="0"/>
+                <a:tab pos="0" algn="l"/>
               </a:tabLst>
             </a:pPr>
             <a:r>
-              <a:rPr b="0" lang="fr-FR" sz="2000" spc="-1" strike="noStrike">
-                <a:solidFill>
-                  <a:srgbClr val="000000"/>
-                </a:solidFill>
-                <a:latin typeface="Calibri"/>
-              </a:rPr>
-              <a:t>Newsletter :</a:t>
-            </a:r>
-            <a:endParaRPr b="0" lang="fr-FR" sz="2000" spc="-1" strike="noStrike">
+              <a:rPr lang="fr-FR" sz="2000" b="0" strike="noStrike" spc="-1" dirty="0">
+                <a:solidFill>
+                  <a:srgbClr val="000000"/>
+                </a:solidFill>
+                <a:latin typeface="Calibri"/>
+              </a:rPr>
+              <a:t>Newsletter </a:t>
+            </a:r>
+            <a:r>
+              <a:rPr lang="fr-FR" sz="2000" b="0" strike="noStrike" spc="-1" dirty="0" smtClean="0">
+                <a:solidFill>
+                  <a:srgbClr val="000000"/>
+                </a:solidFill>
+                <a:latin typeface="Calibri"/>
+              </a:rPr>
+              <a:t>: actualité de l’agence et promotion de ses activités</a:t>
+            </a:r>
+            <a:endParaRPr lang="fr-FR" sz="2000" b="0" strike="noStrike" spc="-1" dirty="0">
               <a:latin typeface="Arial"/>
             </a:endParaRPr>
           </a:p>
@@ -3163,10 +3396,10 @@
               </a:spcBef>
               <a:buNone/>
               <a:tabLst>
-                <a:tab algn="l" pos="0"/>
+                <a:tab pos="0" algn="l"/>
               </a:tabLst>
             </a:pPr>
-            <a:endParaRPr b="0" lang="fr-FR" sz="2000" spc="-1" strike="noStrike">
+            <a:endParaRPr lang="fr-FR" sz="2000" b="0" strike="noStrike" spc="-1" dirty="0">
               <a:latin typeface="Arial"/>
             </a:endParaRPr>
           </a:p>
@@ -3180,10 +3413,10 @@
               </a:spcBef>
               <a:buNone/>
               <a:tabLst>
-                <a:tab algn="l" pos="0"/>
+                <a:tab pos="0" algn="l"/>
               </a:tabLst>
             </a:pPr>
-            <a:endParaRPr b="0" lang="fr-FR" sz="2000" spc="-1" strike="noStrike">
+            <a:endParaRPr lang="fr-FR" sz="2000" b="0" strike="noStrike" spc="-1" dirty="0">
               <a:latin typeface="Arial"/>
             </a:endParaRPr>
           </a:p>
@@ -3197,10 +3430,10 @@
               </a:spcBef>
               <a:buNone/>
               <a:tabLst>
-                <a:tab algn="l" pos="0"/>
+                <a:tab pos="0" algn="l"/>
               </a:tabLst>
             </a:pPr>
-            <a:endParaRPr b="0" lang="fr-FR" sz="2000" spc="-1" strike="noStrike">
+            <a:endParaRPr lang="fr-FR" sz="2000" b="0" strike="noStrike" spc="-1" dirty="0">
               <a:latin typeface="Arial"/>
             </a:endParaRPr>
           </a:p>
@@ -3208,8 +3441,11 @@
       </p:sp>
     </p:spTree>
   </p:cSld>
-  <mc:AlternateContent>
-    <mc:Choice Requires="p14">
+  <p:clrMapOvr>
+    <a:masterClrMapping/>
+  </p:clrMapOvr>
+  <mc:AlternateContent xmlns:mc="http://schemas.openxmlformats.org/markup-compatibility/2006">
+    <mc:Choice xmlns:p15="http://schemas.microsoft.com/office/powerpoint/2012/main" xmlns:p14="http://schemas.microsoft.com/office/powerpoint/2010/main" xmlns="" Requires="p14">
       <p:transition spd="slow" p14:dur="2000"/>
     </mc:Choice>
     <mc:Fallback>
@@ -3220,7 +3456,7 @@
 </file>
 
 <file path=ppt/slides/slide13.xml><?xml version="1.0" encoding="utf-8"?>
-<p:sld xmlns:a="http://schemas.openxmlformats.org/drawingml/2006/main" xmlns:p="http://schemas.openxmlformats.org/presentationml/2006/main" xmlns:r="http://schemas.openxmlformats.org/officeDocument/2006/relationships" xmlns:p14="http://schemas.microsoft.com/office/powerpoint/2010/main" xmlns:p15="http://schemas.microsoft.com/office/powerpoint/2012/main" xmlns:mc="http://schemas.openxmlformats.org/markup-compatibility/2006">
+<p:sld xmlns:a="http://schemas.openxmlformats.org/drawingml/2006/main" xmlns:r="http://schemas.openxmlformats.org/officeDocument/2006/relationships" xmlns:p="http://schemas.openxmlformats.org/presentationml/2006/main">
   <p:cSld>
     <p:spTree>
       <p:nvGrpSpPr>
@@ -3262,9 +3498,10 @@
           </a:ln>
         </p:spPr>
         <p:txBody>
-          <a:bodyPr lIns="90000" rIns="90000" tIns="45000" bIns="45000" anchor="ctr">
+          <a:bodyPr lIns="90000" tIns="45000" rIns="90000" bIns="45000" anchor="ctr">
             <a:noAutofit/>
           </a:bodyPr>
+          <a:lstStyle/>
           <a:p>
             <a:pPr algn="ctr">
               <a:lnSpc>
@@ -3273,15 +3510,15 @@
               <a:buNone/>
             </a:pPr>
             <a:r>
-              <a:rPr b="1" lang="fr-FR" sz="4400" spc="-1" strike="noStrike">
-                <a:solidFill>
-                  <a:srgbClr val="ffff00"/>
+              <a:rPr lang="fr-FR" sz="4400" b="1" strike="noStrike" spc="-1">
+                <a:solidFill>
+                  <a:srgbClr val="FFFF00"/>
                 </a:solidFill>
                 <a:latin typeface="Calibri"/>
               </a:rPr>
               <a:t>Conclusion</a:t>
             </a:r>
-            <a:endParaRPr b="0" lang="fr-FR" sz="4400" spc="-1" strike="noStrike">
+            <a:endParaRPr lang="fr-FR" sz="4400" b="0" strike="noStrike" spc="-1">
               <a:latin typeface="Arial"/>
             </a:endParaRPr>
           </a:p>
@@ -3311,9 +3548,10 @@
           </a:ln>
         </p:spPr>
         <p:txBody>
-          <a:bodyPr lIns="90000" rIns="90000" tIns="45000" bIns="45000" anchor="t">
+          <a:bodyPr lIns="90000" tIns="45000" rIns="90000" bIns="45000" anchor="t">
             <a:noAutofit/>
           </a:bodyPr>
+          <a:lstStyle/>
           <a:p>
             <a:pPr marL="343080" indent="-343080">
               <a:lnSpc>
@@ -3329,15 +3567,51 @@
               <a:buChar char="•"/>
             </a:pPr>
             <a:r>
-              <a:rPr b="0" lang="fr-FR" sz="3200" spc="-1" strike="noStrike">
-                <a:solidFill>
-                  <a:srgbClr val="000000"/>
-                </a:solidFill>
-                <a:latin typeface="Calibri"/>
-              </a:rPr>
-              <a:t>EA Design une opportunité de développer son activité.</a:t>
-            </a:r>
-            <a:endParaRPr b="0" lang="fr-FR" sz="3200" spc="-1" strike="noStrike">
+              <a:rPr lang="fr-FR" sz="3200" b="0" strike="noStrike" spc="-1" dirty="0">
+                <a:solidFill>
+                  <a:srgbClr val="000000"/>
+                </a:solidFill>
+                <a:latin typeface="Calibri"/>
+              </a:rPr>
+              <a:t>EA </a:t>
+            </a:r>
+            <a:r>
+              <a:rPr lang="fr-FR" sz="3200" b="0" strike="noStrike" spc="-1" dirty="0" smtClean="0">
+                <a:solidFill>
+                  <a:srgbClr val="000000"/>
+                </a:solidFill>
+                <a:latin typeface="Calibri"/>
+              </a:rPr>
+              <a:t>Design a </a:t>
+            </a:r>
+            <a:r>
+              <a:rPr lang="fr-FR" sz="3200" b="0" strike="noStrike" spc="-1" dirty="0">
+                <a:solidFill>
+                  <a:srgbClr val="000000"/>
+                </a:solidFill>
+                <a:latin typeface="Calibri"/>
+              </a:rPr>
+              <a:t>une opportunité </a:t>
+            </a:r>
+            <a:r>
+              <a:rPr lang="fr-FR" sz="3200" b="0" strike="noStrike" spc="-1" dirty="0" smtClean="0">
+                <a:solidFill>
+                  <a:srgbClr val="000000"/>
+                </a:solidFill>
+                <a:latin typeface="Calibri"/>
+              </a:rPr>
+              <a:t>unique de </a:t>
+            </a:r>
+            <a:r>
+              <a:rPr lang="fr-FR" sz="3200" b="0" strike="noStrike" spc="-1" dirty="0">
+                <a:solidFill>
+                  <a:srgbClr val="000000"/>
+                </a:solidFill>
+                <a:latin typeface="Calibri"/>
+              </a:rPr>
+              <a:t>développer son activité.</a:t>
+            </a:r>
+            <a:endParaRPr lang="fr-FR" sz="3200" b="0" strike="noStrike" spc="-1" dirty="0">
               <a:latin typeface="Arial"/>
             </a:endParaRPr>
           </a:p>
@@ -3351,7 +3625,7 @@
               </a:spcBef>
               <a:buNone/>
             </a:pPr>
-            <a:endParaRPr b="0" lang="fr-FR" sz="3200" spc="-1" strike="noStrike">
+            <a:endParaRPr lang="fr-FR" sz="3200" b="0" strike="noStrike" spc="-1" dirty="0">
               <a:latin typeface="Arial"/>
             </a:endParaRPr>
           </a:p>
@@ -3370,15 +3644,69 @@
               <a:buChar char="•"/>
             </a:pPr>
             <a:r>
-              <a:rPr b="0" lang="fr-FR" sz="3200" spc="-1" strike="noStrike">
-                <a:solidFill>
-                  <a:srgbClr val="000000"/>
-                </a:solidFill>
-                <a:latin typeface="Calibri"/>
-              </a:rPr>
-              <a:t>Notre rapport marketing a permis déceler une voie claire à suivre : la création et diffusion de contenus pertinents sur son propre site web et quelques réseaux sociaux.</a:t>
-            </a:r>
-            <a:endParaRPr b="0" lang="fr-FR" sz="3200" spc="-1" strike="noStrike">
+              <a:rPr lang="fr-FR" sz="3200" b="0" strike="noStrike" spc="-1" dirty="0">
+                <a:solidFill>
+                  <a:srgbClr val="000000"/>
+                </a:solidFill>
+                <a:latin typeface="Calibri"/>
+              </a:rPr>
+              <a:t>Notre </a:t>
+            </a:r>
+            <a:r>
+              <a:rPr lang="fr-FR" sz="3200" b="0" strike="noStrike" spc="-1" dirty="0" smtClean="0">
+                <a:solidFill>
+                  <a:srgbClr val="000000"/>
+                </a:solidFill>
+                <a:latin typeface="Calibri"/>
+              </a:rPr>
+              <a:t>audit </a:t>
+            </a:r>
+            <a:r>
+              <a:rPr lang="fr-FR" sz="3200" b="0" strike="noStrike" spc="-1" dirty="0">
+                <a:solidFill>
+                  <a:srgbClr val="000000"/>
+                </a:solidFill>
+                <a:latin typeface="Calibri"/>
+              </a:rPr>
+              <a:t>marketing a permis déceler une voie claire à suivre : la création et diffusion de contenus pertinents sur son propre site web et </a:t>
+            </a:r>
+            <a:r>
+              <a:rPr lang="fr-FR" sz="3200" b="0" strike="noStrike" spc="-1" dirty="0" smtClean="0">
+                <a:solidFill>
+                  <a:srgbClr val="000000"/>
+                </a:solidFill>
+                <a:latin typeface="Calibri"/>
+              </a:rPr>
+              <a:t>quelques </a:t>
+            </a:r>
+            <a:r>
+              <a:rPr lang="fr-FR" sz="3200" b="0" strike="noStrike" spc="-1" dirty="0">
+                <a:solidFill>
+                  <a:srgbClr val="000000"/>
+                </a:solidFill>
+                <a:latin typeface="Calibri"/>
+              </a:rPr>
+              <a:t>réseaux </a:t>
+            </a:r>
+            <a:r>
+              <a:rPr lang="fr-FR" sz="3200" b="0" strike="noStrike" spc="-1" dirty="0" smtClean="0">
+                <a:solidFill>
+                  <a:srgbClr val="000000"/>
+                </a:solidFill>
+                <a:latin typeface="Calibri"/>
+              </a:rPr>
+              <a:t>sociaux pour améliorer sa visibilité et son </a:t>
+            </a:r>
+            <a:r>
+              <a:rPr lang="fr-FR" sz="3200" b="0" strike="noStrike" spc="-1" smtClean="0">
+                <a:solidFill>
+                  <a:srgbClr val="000000"/>
+                </a:solidFill>
+                <a:latin typeface="Calibri"/>
+              </a:rPr>
+              <a:t>identité </a:t>
+            </a:r>
+            <a:endParaRPr lang="fr-FR" sz="3200" b="0" strike="noStrike" spc="-1" dirty="0">
               <a:latin typeface="Arial"/>
             </a:endParaRPr>
           </a:p>
@@ -3386,8 +3714,11 @@
       </p:sp>
     </p:spTree>
   </p:cSld>
-  <mc:AlternateContent>
-    <mc:Choice Requires="p14">
+  <p:clrMapOvr>
+    <a:masterClrMapping/>
+  </p:clrMapOvr>
+  <mc:AlternateContent xmlns:mc="http://schemas.openxmlformats.org/markup-compatibility/2006">
+    <mc:Choice xmlns:p15="http://schemas.microsoft.com/office/powerpoint/2012/main" xmlns:p14="http://schemas.microsoft.com/office/powerpoint/2010/main" xmlns="" Requires="p14">
       <p:transition spd="slow" p14:dur="2000"/>
     </mc:Choice>
     <mc:Fallback>
@@ -3398,7 +3729,7 @@
 </file>
 
 <file path=ppt/slides/slide2.xml><?xml version="1.0" encoding="utf-8"?>
-<p:sld xmlns:a="http://schemas.openxmlformats.org/drawingml/2006/main" xmlns:p="http://schemas.openxmlformats.org/presentationml/2006/main" xmlns:r="http://schemas.openxmlformats.org/officeDocument/2006/relationships" xmlns:p14="http://schemas.microsoft.com/office/powerpoint/2010/main" xmlns:p15="http://schemas.microsoft.com/office/powerpoint/2012/main" xmlns:mc="http://schemas.openxmlformats.org/markup-compatibility/2006">
+<p:sld xmlns:a="http://schemas.openxmlformats.org/drawingml/2006/main" xmlns:r="http://schemas.openxmlformats.org/officeDocument/2006/relationships" xmlns:p="http://schemas.openxmlformats.org/presentationml/2006/main">
   <p:cSld>
     <p:spTree>
       <p:nvGrpSpPr>
@@ -3435,14 +3766,15 @@
           <a:noFill/>
           <a:ln w="0">
             <a:solidFill>
-              <a:srgbClr val="10243e"/>
+              <a:srgbClr val="10243E"/>
             </a:solidFill>
           </a:ln>
         </p:spPr>
         <p:txBody>
-          <a:bodyPr lIns="90000" rIns="90000" tIns="45000" bIns="45000" anchor="ctr">
-            <a:normAutofit fontScale="51000"/>
+          <a:bodyPr lIns="90000" tIns="45000" rIns="90000" bIns="45000" anchor="ctr">
+            <a:normAutofit fontScale="90000"/>
           </a:bodyPr>
+          <a:lstStyle/>
           <a:p>
             <a:pPr algn="ctr">
               <a:lnSpc>
@@ -3450,9 +3782,12 @@
               </a:lnSpc>
               <a:buNone/>
             </a:pPr>
+            <a:r>
+              <a:t/>
+            </a:r>
             <a:br/>
             <a:r>
-              <a:rPr b="0" lang="fr-FR" sz="4000" spc="-1" strike="noStrike">
+              <a:rPr lang="fr-FR" sz="4000" b="0" strike="noStrike" spc="-1">
                 <a:solidFill>
                   <a:srgbClr val="000000"/>
                 </a:solidFill>
@@ -3460,9 +3795,12 @@
               </a:rPr>
               <a:t>Notre Agence Marketing</a:t>
             </a:r>
+            <a:r>
+              <a:t/>
+            </a:r>
             <a:br/>
             <a:r>
-              <a:rPr b="1" lang="fr-FR" sz="4400" spc="-1" strike="noStrike">
+              <a:rPr lang="fr-FR" sz="4400" b="1" strike="noStrike" spc="-1">
                 <a:solidFill>
                   <a:srgbClr val="000000"/>
                 </a:solidFill>
@@ -3470,8 +3808,11 @@
               </a:rPr>
               <a:t>DigiTech Africa</a:t>
             </a:r>
+            <a:r>
+              <a:t/>
+            </a:r>
             <a:br/>
-            <a:endParaRPr b="0" lang="fr-FR" sz="4400" spc="-1" strike="noStrike">
+            <a:endParaRPr lang="fr-FR" sz="4400" b="0" strike="noStrike" spc="-1">
               <a:latin typeface="Arial"/>
             </a:endParaRPr>
           </a:p>
@@ -3489,7 +3830,7 @@
         </p:nvSpPr>
         <p:spPr>
           <a:xfrm>
-            <a:off x="457200" y="1600200"/>
+            <a:off x="251520" y="1916832"/>
             <a:ext cx="8228520" cy="4519080"/>
           </a:xfrm>
           <a:prstGeom prst="rect">
@@ -3501,9 +3842,10 @@
           </a:ln>
         </p:spPr>
         <p:txBody>
-          <a:bodyPr lIns="90000" rIns="90000" tIns="45000" bIns="45000" anchor="t">
-            <a:normAutofit fontScale="84000"/>
+          <a:bodyPr lIns="90000" tIns="45000" rIns="90000" bIns="45000" anchor="t">
+            <a:normAutofit fontScale="91500" lnSpcReduction="20000"/>
           </a:bodyPr>
+          <a:lstStyle/>
           <a:p>
             <a:pPr marL="343080" indent="-343080">
               <a:lnSpc>
@@ -3514,10 +3856,10 @@
               </a:spcBef>
               <a:buNone/>
               <a:tabLst>
-                <a:tab algn="l" pos="0"/>
+                <a:tab pos="0" algn="l"/>
               </a:tabLst>
             </a:pPr>
-            <a:endParaRPr b="0" lang="fr-FR" sz="3200" spc="-1" strike="noStrike">
+            <a:endParaRPr lang="fr-FR" sz="3200" b="0" strike="noStrike" spc="-1" dirty="0">
               <a:latin typeface="Arial"/>
             </a:endParaRPr>
           </a:p>
@@ -3531,10 +3873,10 @@
               </a:spcBef>
               <a:buNone/>
               <a:tabLst>
-                <a:tab algn="l" pos="0"/>
+                <a:tab pos="0" algn="l"/>
               </a:tabLst>
             </a:pPr>
-            <a:endParaRPr b="0" lang="fr-FR" sz="3200" spc="-1" strike="noStrike">
+            <a:endParaRPr lang="fr-FR" sz="3200" b="0" strike="noStrike" spc="-1" dirty="0">
               <a:latin typeface="Arial"/>
             </a:endParaRPr>
           </a:p>
@@ -3548,11 +3890,11 @@
               </a:spcBef>
               <a:buNone/>
               <a:tabLst>
-                <a:tab algn="l" pos="0"/>
+                <a:tab pos="0" algn="l"/>
               </a:tabLst>
             </a:pPr>
             <a:r>
-              <a:rPr b="1" i="1" lang="fr-FR" sz="2400" spc="-1" strike="noStrike">
+              <a:rPr lang="fr-FR" sz="2400" b="1" i="1" strike="noStrike" spc="-1" dirty="0">
                 <a:solidFill>
                   <a:srgbClr val="000000"/>
                 </a:solidFill>
@@ -3560,7 +3902,7 @@
               </a:rPr>
               <a:t>« Porter haut les couleurs de notre continent et donner une nouvelle impulsion à l'économie numérique dans nos pays respectifs »</a:t>
             </a:r>
-            <a:endParaRPr b="0" lang="fr-FR" sz="2400" spc="-1" strike="noStrike">
+            <a:endParaRPr lang="fr-FR" sz="2400" b="0" strike="noStrike" spc="-1" dirty="0">
               <a:latin typeface="Arial"/>
             </a:endParaRPr>
           </a:p>
@@ -3574,10 +3916,10 @@
               </a:spcBef>
               <a:buNone/>
               <a:tabLst>
-                <a:tab algn="l" pos="0"/>
+                <a:tab pos="0" algn="l"/>
               </a:tabLst>
             </a:pPr>
-            <a:endParaRPr b="0" lang="fr-FR" sz="2400" spc="-1" strike="noStrike">
+            <a:endParaRPr lang="fr-FR" sz="2400" b="0" strike="noStrike" spc="-1" dirty="0">
               <a:latin typeface="Arial"/>
             </a:endParaRPr>
           </a:p>
@@ -3591,11 +3933,11 @@
               </a:spcBef>
               <a:buNone/>
               <a:tabLst>
-                <a:tab algn="l" pos="0"/>
+                <a:tab pos="0" algn="l"/>
               </a:tabLst>
             </a:pPr>
             <a:r>
-              <a:rPr b="0" lang="fr-FR" sz="2400" spc="-1" strike="noStrike" u="sng">
+              <a:rPr lang="fr-FR" sz="2400" b="0" u="sng" strike="noStrike" spc="-1" dirty="0">
                 <a:solidFill>
                   <a:srgbClr val="000000"/>
                 </a:solidFill>
@@ -3604,7 +3946,7 @@
               </a:rPr>
               <a:t>Notre équipe :</a:t>
             </a:r>
-            <a:endParaRPr b="0" lang="fr-FR" sz="2400" spc="-1" strike="noStrike">
+            <a:endParaRPr lang="fr-FR" sz="2400" b="0" strike="noStrike" spc="-1" dirty="0">
               <a:latin typeface="Arial"/>
             </a:endParaRPr>
           </a:p>
@@ -3618,15 +3960,15 @@
               </a:spcBef>
               <a:buNone/>
               <a:tabLst>
-                <a:tab algn="l" pos="0"/>
+                <a:tab pos="0" algn="l"/>
               </a:tabLst>
             </a:pPr>
-            <a:endParaRPr b="0" lang="fr-FR" sz="2400" spc="-1" strike="noStrike">
-              <a:latin typeface="Arial"/>
-            </a:endParaRPr>
-          </a:p>
-          <a:p>
-            <a:pPr lvl="3" marL="1600200" indent="-228600">
+            <a:endParaRPr lang="fr-FR" sz="2400" b="0" strike="noStrike" spc="-1" dirty="0">
+              <a:latin typeface="Arial"/>
+            </a:endParaRPr>
+          </a:p>
+          <a:p>
+            <a:pPr marL="1600200" lvl="3" indent="-228600">
               <a:lnSpc>
                 <a:spcPct val="100000"/>
               </a:lnSpc>
@@ -3639,11 +3981,11 @@
               <a:buFont typeface="Arial"/>
               <a:buChar char="•"/>
               <a:tabLst>
-                <a:tab algn="l" pos="0"/>
+                <a:tab pos="0" algn="l"/>
               </a:tabLst>
             </a:pPr>
             <a:r>
-              <a:rPr b="0" lang="fr-FR" sz="2400" spc="-1" strike="noStrike">
+              <a:rPr lang="fr-FR" sz="2400" b="0" strike="noStrike" spc="-1" dirty="0">
                 <a:solidFill>
                   <a:srgbClr val="000000"/>
                 </a:solidFill>
@@ -3651,12 +3993,12 @@
               </a:rPr>
               <a:t>Vanessa du Cameroun </a:t>
             </a:r>
-            <a:endParaRPr b="0" lang="fr-FR" sz="2400" spc="-1" strike="noStrike">
-              <a:latin typeface="Arial"/>
-            </a:endParaRPr>
-          </a:p>
-          <a:p>
-            <a:pPr lvl="3" marL="1600200" indent="-228600">
+            <a:endParaRPr lang="fr-FR" sz="2400" b="0" strike="noStrike" spc="-1" dirty="0">
+              <a:latin typeface="Arial"/>
+            </a:endParaRPr>
+          </a:p>
+          <a:p>
+            <a:pPr marL="1600200" lvl="3" indent="-228600">
               <a:lnSpc>
                 <a:spcPct val="100000"/>
               </a:lnSpc>
@@ -3669,24 +4011,33 @@
               <a:buFont typeface="Arial"/>
               <a:buChar char="•"/>
               <a:tabLst>
-                <a:tab algn="l" pos="0"/>
+                <a:tab pos="0" algn="l"/>
               </a:tabLst>
             </a:pPr>
             <a:r>
-              <a:rPr b="0" lang="fr-FR" sz="2400" spc="-1" strike="noStrike">
+              <a:rPr lang="fr-FR" sz="2400" b="0" strike="noStrike" spc="-1" dirty="0" err="1">
                 <a:solidFill>
                   <a:srgbClr val="000000"/>
                 </a:solidFill>
                 <a:latin typeface="Lato"/>
               </a:rPr>
-              <a:t>Haingotiana de Madagascar</a:t>
-            </a:r>
-            <a:endParaRPr b="0" lang="fr-FR" sz="2400" spc="-1" strike="noStrike">
-              <a:latin typeface="Arial"/>
-            </a:endParaRPr>
-          </a:p>
-          <a:p>
-            <a:pPr lvl="3" marL="1600200" indent="-228600">
+              <a:t>Haingotiana</a:t>
+            </a:r>
+            <a:r>
+              <a:rPr lang="fr-FR" sz="2400" b="0" strike="noStrike" spc="-1" dirty="0">
+                <a:solidFill>
+                  <a:srgbClr val="000000"/>
+                </a:solidFill>
+                <a:latin typeface="Lato"/>
+              </a:rPr>
+              <a:t> de Madagascar</a:t>
+            </a:r>
+            <a:endParaRPr lang="fr-FR" sz="2400" b="0" strike="noStrike" spc="-1" dirty="0">
+              <a:latin typeface="Arial"/>
+            </a:endParaRPr>
+          </a:p>
+          <a:p>
+            <a:pPr marL="1600200" lvl="3" indent="-228600">
               <a:lnSpc>
                 <a:spcPct val="100000"/>
               </a:lnSpc>
@@ -3699,11 +4050,11 @@
               <a:buFont typeface="Arial"/>
               <a:buChar char="•"/>
               <a:tabLst>
-                <a:tab algn="l" pos="0"/>
+                <a:tab pos="0" algn="l"/>
               </a:tabLst>
             </a:pPr>
             <a:r>
-              <a:rPr b="0" lang="fr-FR" sz="2400" spc="-1" strike="noStrike">
+              <a:rPr lang="fr-FR" sz="2400" b="0" strike="noStrike" spc="-1" dirty="0">
                 <a:solidFill>
                   <a:srgbClr val="000000"/>
                 </a:solidFill>
@@ -3711,12 +4062,12 @@
               </a:rPr>
               <a:t>Edwige de la Côte d’Ivoire</a:t>
             </a:r>
-            <a:endParaRPr b="0" lang="fr-FR" sz="2400" spc="-1" strike="noStrike">
-              <a:latin typeface="Arial"/>
-            </a:endParaRPr>
-          </a:p>
-          <a:p>
-            <a:pPr lvl="3" marL="1600200" indent="-228600">
+            <a:endParaRPr lang="fr-FR" sz="2400" b="0" strike="noStrike" spc="-1" dirty="0">
+              <a:latin typeface="Arial"/>
+            </a:endParaRPr>
+          </a:p>
+          <a:p>
+            <a:pPr marL="1600200" lvl="3" indent="-228600">
               <a:lnSpc>
                 <a:spcPct val="100000"/>
               </a:lnSpc>
@@ -3729,11 +4080,11 @@
               <a:buFont typeface="Arial"/>
               <a:buChar char="•"/>
               <a:tabLst>
-                <a:tab algn="l" pos="0"/>
+                <a:tab pos="0" algn="l"/>
               </a:tabLst>
             </a:pPr>
             <a:r>
-              <a:rPr b="0" lang="fr-FR" sz="2400" spc="-1" strike="noStrike">
+              <a:rPr lang="fr-FR" sz="2400" b="0" strike="noStrike" spc="-1" dirty="0">
                 <a:solidFill>
                   <a:srgbClr val="000000"/>
                 </a:solidFill>
@@ -3741,12 +4092,12 @@
               </a:rPr>
               <a:t>Ruth de la Côte d’Ivoire </a:t>
             </a:r>
-            <a:endParaRPr b="0" lang="fr-FR" sz="2400" spc="-1" strike="noStrike">
-              <a:latin typeface="Arial"/>
-            </a:endParaRPr>
-          </a:p>
-          <a:p>
-            <a:pPr lvl="3" marL="1600200" indent="-228600">
+            <a:endParaRPr lang="fr-FR" sz="2400" b="0" strike="noStrike" spc="-1" dirty="0">
+              <a:latin typeface="Arial"/>
+            </a:endParaRPr>
+          </a:p>
+          <a:p>
+            <a:pPr marL="1600200" lvl="3" indent="-228600">
               <a:lnSpc>
                 <a:spcPct val="100000"/>
               </a:lnSpc>
@@ -3759,11 +4110,11 @@
               <a:buFont typeface="Arial"/>
               <a:buChar char="•"/>
               <a:tabLst>
-                <a:tab algn="l" pos="0"/>
+                <a:tab pos="0" algn="l"/>
               </a:tabLst>
             </a:pPr>
             <a:r>
-              <a:rPr b="0" lang="fr-FR" sz="2400" spc="-1" strike="noStrike">
+              <a:rPr lang="fr-FR" sz="2400" b="0" strike="noStrike" spc="-1" dirty="0">
                 <a:solidFill>
                   <a:srgbClr val="000000"/>
                 </a:solidFill>
@@ -3771,7 +4122,7 @@
               </a:rPr>
               <a:t>Yacine de l’Algérie</a:t>
             </a:r>
-            <a:endParaRPr b="0" lang="fr-FR" sz="2400" spc="-1" strike="noStrike">
+            <a:endParaRPr lang="fr-FR" sz="2400" b="0" strike="noStrike" spc="-1" dirty="0">
               <a:latin typeface="Arial"/>
             </a:endParaRPr>
           </a:p>
@@ -3785,10 +4136,10 @@
               </a:spcBef>
               <a:buNone/>
               <a:tabLst>
-                <a:tab algn="l" pos="0"/>
+                <a:tab pos="0" algn="l"/>
               </a:tabLst>
             </a:pPr>
-            <a:endParaRPr b="0" lang="fr-FR" sz="2400" spc="-1" strike="noStrike">
+            <a:endParaRPr lang="fr-FR" sz="2400" b="0" strike="noStrike" spc="-1" dirty="0">
               <a:latin typeface="Arial"/>
             </a:endParaRPr>
           </a:p>
@@ -3796,12 +4147,12 @@
       </p:sp>
       <p:pic>
         <p:nvPicPr>
-          <p:cNvPr id="48" name="image7.png" descr=""/>
+          <p:cNvPr id="48" name="image7.png"/>
           <p:cNvPicPr/>
           <p:nvPr/>
         </p:nvPicPr>
         <p:blipFill>
-          <a:blip r:embed="rId1"/>
+          <a:blip r:embed="rId2" cstate="print"/>
           <a:srcRect l="21174" t="24080" r="9345" b="22710"/>
           <a:stretch/>
         </p:blipFill>
@@ -3828,13 +4179,13 @@
           <p:nvPr/>
         </p:nvPicPr>
         <p:blipFill>
-          <a:blip r:embed="rId2"/>
+          <a:blip r:embed="rId3" cstate="print"/>
           <a:stretch/>
         </p:blipFill>
         <p:spPr>
           <a:xfrm>
-            <a:off x="5400360" y="4680000"/>
-            <a:ext cx="358920" cy="286920"/>
+            <a:off x="5652120" y="4725144"/>
+            <a:ext cx="358920" cy="214912"/>
           </a:xfrm>
           <a:prstGeom prst="rect">
             <a:avLst/>
@@ -3854,13 +4205,13 @@
           <p:nvPr/>
         </p:nvPicPr>
         <p:blipFill>
-          <a:blip r:embed="rId3"/>
+          <a:blip r:embed="rId4" cstate="print"/>
           <a:stretch/>
         </p:blipFill>
         <p:spPr>
           <a:xfrm>
-            <a:off x="5220000" y="5040000"/>
-            <a:ext cx="358920" cy="286920"/>
+            <a:off x="5364088" y="5085184"/>
+            <a:ext cx="358920" cy="214912"/>
           </a:xfrm>
           <a:prstGeom prst="rect">
             <a:avLst/>
@@ -3880,13 +4231,13 @@
           <p:nvPr/>
         </p:nvPicPr>
         <p:blipFill>
-          <a:blip r:embed="rId4"/>
+          <a:blip r:embed="rId5" cstate="print"/>
           <a:stretch/>
         </p:blipFill>
         <p:spPr>
           <a:xfrm>
-            <a:off x="4356360" y="5760000"/>
-            <a:ext cx="358920" cy="286920"/>
+            <a:off x="4355976" y="5733256"/>
+            <a:ext cx="360040" cy="216024"/>
           </a:xfrm>
           <a:prstGeom prst="rect">
             <a:avLst/>
@@ -3906,13 +4257,13 @@
           <p:nvPr/>
         </p:nvPicPr>
         <p:blipFill>
-          <a:blip r:embed="rId5"/>
+          <a:blip r:embed="rId6" cstate="print"/>
           <a:stretch/>
         </p:blipFill>
         <p:spPr>
           <a:xfrm>
-            <a:off x="4788360" y="4231440"/>
-            <a:ext cx="430920" cy="276840"/>
+            <a:off x="5004048" y="4365104"/>
+            <a:ext cx="430920" cy="204832"/>
           </a:xfrm>
           <a:prstGeom prst="rect">
             <a:avLst/>
@@ -3932,13 +4283,13 @@
           <p:nvPr/>
         </p:nvPicPr>
         <p:blipFill>
-          <a:blip r:embed="rId6"/>
+          <a:blip r:embed="rId4" cstate="print"/>
           <a:stretch/>
         </p:blipFill>
         <p:spPr>
           <a:xfrm>
-            <a:off x="4860360" y="5400000"/>
-            <a:ext cx="358920" cy="286920"/>
+            <a:off x="4932040" y="5373216"/>
+            <a:ext cx="358920" cy="214912"/>
           </a:xfrm>
           <a:prstGeom prst="rect">
             <a:avLst/>
@@ -3953,8 +4304,11 @@
       </p:pic>
     </p:spTree>
   </p:cSld>
-  <mc:AlternateContent>
-    <mc:Choice Requires="p14">
+  <p:clrMapOvr>
+    <a:masterClrMapping/>
+  </p:clrMapOvr>
+  <mc:AlternateContent xmlns:mc="http://schemas.openxmlformats.org/markup-compatibility/2006">
+    <mc:Choice xmlns:p15="http://schemas.microsoft.com/office/powerpoint/2012/main" xmlns:p14="http://schemas.microsoft.com/office/powerpoint/2010/main" xmlns="" Requires="p14">
       <p:transition spd="slow" p14:dur="2000"/>
     </mc:Choice>
     <mc:Fallback>
@@ -3965,7 +4319,7 @@
 </file>
 
 <file path=ppt/slides/slide3.xml><?xml version="1.0" encoding="utf-8"?>
-<p:sld xmlns:a="http://schemas.openxmlformats.org/drawingml/2006/main" xmlns:p="http://schemas.openxmlformats.org/presentationml/2006/main" xmlns:r="http://schemas.openxmlformats.org/officeDocument/2006/relationships" xmlns:p14="http://schemas.microsoft.com/office/powerpoint/2010/main" xmlns:p15="http://schemas.microsoft.com/office/powerpoint/2012/main" xmlns:mc="http://schemas.openxmlformats.org/markup-compatibility/2006">
+<p:sld xmlns:a="http://schemas.openxmlformats.org/drawingml/2006/main" xmlns:r="http://schemas.openxmlformats.org/officeDocument/2006/relationships" xmlns:p="http://schemas.openxmlformats.org/presentationml/2006/main">
   <p:cSld>
     <p:spTree>
       <p:nvGrpSpPr>
@@ -4000,7 +4354,7 @@
             <a:avLst/>
           </a:prstGeom>
           <a:solidFill>
-            <a:srgbClr val="ffff00"/>
+            <a:srgbClr val="FFFF00"/>
           </a:solidFill>
           <a:ln w="0">
             <a:solidFill>
@@ -4009,9 +4363,10 @@
           </a:ln>
         </p:spPr>
         <p:txBody>
-          <a:bodyPr lIns="90000" rIns="90000" tIns="45000" bIns="45000" anchor="ctr">
+          <a:bodyPr lIns="90000" tIns="45000" rIns="90000" bIns="45000" anchor="ctr">
             <a:normAutofit fontScale="94000"/>
           </a:bodyPr>
+          <a:lstStyle/>
           <a:p>
             <a:pPr algn="ctr">
               <a:lnSpc>
@@ -4020,7 +4375,7 @@
               <a:buNone/>
             </a:pPr>
             <a:r>
-              <a:rPr b="0" lang="fr-FR" sz="4400" spc="-1" strike="noStrike">
+              <a:rPr lang="fr-FR" sz="4400" b="0" strike="noStrike" spc="-1">
                 <a:solidFill>
                   <a:srgbClr val="000000"/>
                 </a:solidFill>
@@ -4028,9 +4383,12 @@
               </a:rPr>
               <a:t>Le client :</a:t>
             </a:r>
+            <a:r>
+              <a:t/>
+            </a:r>
             <a:br/>
             <a:r>
-              <a:rPr b="1" i="1" lang="fr-FR" sz="4900" spc="-1" strike="noStrike">
+              <a:rPr lang="fr-FR" sz="4900" b="1" i="1" strike="noStrike" spc="-1">
                 <a:solidFill>
                   <a:srgbClr val="000000"/>
                 </a:solidFill>
@@ -4038,7 +4396,7 @@
               </a:rPr>
               <a:t>EA Design</a:t>
             </a:r>
-            <a:endParaRPr b="0" lang="fr-FR" sz="4900" spc="-1" strike="noStrike">
+            <a:endParaRPr lang="fr-FR" sz="4900" b="0" strike="noStrike" spc="-1">
               <a:latin typeface="Arial"/>
             </a:endParaRPr>
           </a:p>
@@ -4070,9 +4428,10 @@
           </a:ln>
         </p:spPr>
         <p:txBody>
-          <a:bodyPr lIns="90000" rIns="90000" tIns="45000" bIns="45000" anchor="t">
-            <a:normAutofit fontScale="90000"/>
+          <a:bodyPr lIns="90000" tIns="45000" rIns="90000" bIns="45000" anchor="t">
+            <a:normAutofit fontScale="90000" lnSpcReduction="10000"/>
           </a:bodyPr>
+          <a:lstStyle/>
           <a:p>
             <a:pPr marL="343080" indent="-343080">
               <a:lnSpc>
@@ -4088,7 +4447,7 @@
               <a:buChar char="•"/>
             </a:pPr>
             <a:r>
-              <a:rPr b="0" lang="fr-FR" sz="3000" spc="-1" strike="noStrike">
+              <a:rPr lang="fr-FR" sz="3000" b="0" strike="noStrike" spc="-1">
                 <a:solidFill>
                   <a:srgbClr val="000000"/>
                 </a:solidFill>
@@ -4096,7 +4455,7 @@
               </a:rPr>
               <a:t>Agence de communication</a:t>
             </a:r>
-            <a:endParaRPr b="0" lang="fr-FR" sz="3000" spc="-1" strike="noStrike">
+            <a:endParaRPr lang="fr-FR" sz="3000" b="0" strike="noStrike" spc="-1">
               <a:latin typeface="Arial"/>
             </a:endParaRPr>
           </a:p>
@@ -4115,7 +4474,7 @@
               <a:buChar char="•"/>
             </a:pPr>
             <a:r>
-              <a:rPr b="0" lang="fr-FR" sz="3000" spc="-1" strike="noStrike">
+              <a:rPr lang="fr-FR" sz="3000" b="0" strike="noStrike" spc="-1">
                 <a:solidFill>
                   <a:srgbClr val="000000"/>
                 </a:solidFill>
@@ -4123,7 +4482,7 @@
               </a:rPr>
               <a:t>Fondateur : M. ADINGRA Emmanuel</a:t>
             </a:r>
-            <a:endParaRPr b="0" lang="fr-FR" sz="3000" spc="-1" strike="noStrike">
+            <a:endParaRPr lang="fr-FR" sz="3000" b="0" strike="noStrike" spc="-1">
               <a:latin typeface="Arial"/>
             </a:endParaRPr>
           </a:p>
@@ -4142,7 +4501,7 @@
               <a:buChar char="•"/>
             </a:pPr>
             <a:r>
-              <a:rPr b="0" lang="fr-FR" sz="3000" spc="-1" strike="noStrike">
+              <a:rPr lang="fr-FR" sz="3000" b="0" strike="noStrike" spc="-1">
                 <a:solidFill>
                   <a:srgbClr val="000000"/>
                 </a:solidFill>
@@ -4150,7 +4509,7 @@
               </a:rPr>
               <a:t>Côte d’Ivoire</a:t>
             </a:r>
-            <a:endParaRPr b="0" lang="fr-FR" sz="3000" spc="-1" strike="noStrike">
+            <a:endParaRPr lang="fr-FR" sz="3000" b="0" strike="noStrike" spc="-1">
               <a:latin typeface="Arial"/>
             </a:endParaRPr>
           </a:p>
@@ -4169,7 +4528,7 @@
               <a:buChar char="•"/>
             </a:pPr>
             <a:r>
-              <a:rPr b="0" lang="fr-FR" sz="3000" spc="-1" strike="noStrike">
+              <a:rPr lang="fr-FR" sz="3000" b="0" strike="noStrike" spc="-1">
                 <a:solidFill>
                   <a:srgbClr val="000000"/>
                 </a:solidFill>
@@ -4177,7 +4536,7 @@
               </a:rPr>
               <a:t>Ses clients : PME, ONG, Associations, Les passionnés de numérique </a:t>
             </a:r>
-            <a:endParaRPr b="0" lang="fr-FR" sz="3000" spc="-1" strike="noStrike">
+            <a:endParaRPr lang="fr-FR" sz="3000" b="0" strike="noStrike" spc="-1">
               <a:latin typeface="Arial"/>
             </a:endParaRPr>
           </a:p>
@@ -4196,7 +4555,7 @@
               <a:buChar char="•"/>
             </a:pPr>
             <a:r>
-              <a:rPr b="0" lang="fr-FR" sz="3000" spc="-1" strike="noStrike">
+              <a:rPr lang="fr-FR" sz="3000" b="0" strike="noStrike" spc="-1">
                 <a:solidFill>
                   <a:srgbClr val="000000"/>
                 </a:solidFill>
@@ -4204,7 +4563,7 @@
               </a:rPr>
               <a:t>Services proposés : montage vidéo, création graphique, support audiovisuel, community management, web marketing, couverture médiatique d'un événement. </a:t>
             </a:r>
-            <a:endParaRPr b="0" lang="fr-FR" sz="3000" spc="-1" strike="noStrike">
+            <a:endParaRPr lang="fr-FR" sz="3000" b="0" strike="noStrike" spc="-1">
               <a:latin typeface="Arial"/>
             </a:endParaRPr>
           </a:p>
@@ -4218,7 +4577,7 @@
               </a:spcBef>
               <a:buNone/>
             </a:pPr>
-            <a:endParaRPr b="0" lang="fr-FR" sz="3000" spc="-1" strike="noStrike">
+            <a:endParaRPr lang="fr-FR" sz="3000" b="0" strike="noStrike" spc="-1">
               <a:latin typeface="Arial"/>
             </a:endParaRPr>
           </a:p>
@@ -4226,12 +4585,12 @@
       </p:sp>
       <p:pic>
         <p:nvPicPr>
-          <p:cNvPr id="56" name="Image1" descr=""/>
+          <p:cNvPr id="56" name="Image1"/>
           <p:cNvPicPr/>
           <p:nvPr/>
         </p:nvPicPr>
         <p:blipFill>
-          <a:blip r:embed="rId1"/>
+          <a:blip r:embed="rId2" cstate="print"/>
           <a:stretch/>
         </p:blipFill>
         <p:spPr>
@@ -4249,8 +4608,11 @@
       </p:pic>
     </p:spTree>
   </p:cSld>
-  <mc:AlternateContent>
-    <mc:Choice Requires="p14">
+  <p:clrMapOvr>
+    <a:masterClrMapping/>
+  </p:clrMapOvr>
+  <mc:AlternateContent xmlns:mc="http://schemas.openxmlformats.org/markup-compatibility/2006">
+    <mc:Choice xmlns:p15="http://schemas.microsoft.com/office/powerpoint/2012/main" xmlns:p14="http://schemas.microsoft.com/office/powerpoint/2010/main" xmlns="" Requires="p14">
       <p:transition spd="slow" p14:dur="2000"/>
     </mc:Choice>
     <mc:Fallback>
@@ -4261,7 +4623,7 @@
 </file>
 
 <file path=ppt/slides/slide4.xml><?xml version="1.0" encoding="utf-8"?>
-<p:sld xmlns:a="http://schemas.openxmlformats.org/drawingml/2006/main" xmlns:p="http://schemas.openxmlformats.org/presentationml/2006/main" xmlns:r="http://schemas.openxmlformats.org/officeDocument/2006/relationships" xmlns:p14="http://schemas.microsoft.com/office/powerpoint/2010/main" xmlns:p15="http://schemas.microsoft.com/office/powerpoint/2012/main" xmlns:mc="http://schemas.openxmlformats.org/markup-compatibility/2006">
+<p:sld xmlns:a="http://schemas.openxmlformats.org/drawingml/2006/main" xmlns:r="http://schemas.openxmlformats.org/officeDocument/2006/relationships" xmlns:p="http://schemas.openxmlformats.org/presentationml/2006/main">
   <p:cSld>
     <p:spTree>
       <p:nvGrpSpPr>
@@ -4300,14 +4662,15 @@
           </a:solidFill>
           <a:ln w="0">
             <a:solidFill>
-              <a:srgbClr val="ffff00"/>
+              <a:srgbClr val="FFFF00"/>
             </a:solidFill>
           </a:ln>
         </p:spPr>
         <p:txBody>
-          <a:bodyPr lIns="90000" rIns="90000" tIns="45000" bIns="45000" anchor="ctr">
-            <a:normAutofit fontScale="78000"/>
+          <a:bodyPr lIns="90000" tIns="45000" rIns="90000" bIns="45000" anchor="ctr">
+            <a:normAutofit fontScale="90000"/>
           </a:bodyPr>
+          <a:lstStyle/>
           <a:p>
             <a:pPr algn="ctr">
               <a:lnSpc>
@@ -4316,15 +4679,15 @@
               <a:buNone/>
             </a:pPr>
             <a:r>
-              <a:rPr b="1" lang="fr-FR" sz="4400" spc="-1" strike="noStrike">
-                <a:solidFill>
-                  <a:srgbClr val="ffff00"/>
+              <a:rPr lang="fr-FR" sz="4400" b="1" strike="noStrike" spc="-1">
+                <a:solidFill>
+                  <a:srgbClr val="FFFF00"/>
                 </a:solidFill>
                 <a:latin typeface="Calibri"/>
               </a:rPr>
               <a:t>Analyse de la communication et besoins du client</a:t>
             </a:r>
-            <a:endParaRPr b="0" lang="fr-FR" sz="4400" spc="-1" strike="noStrike">
+            <a:endParaRPr lang="fr-FR" sz="4400" b="0" strike="noStrike" spc="-1">
               <a:latin typeface="Arial"/>
             </a:endParaRPr>
           </a:p>
@@ -4354,9 +4717,10 @@
           </a:ln>
         </p:spPr>
         <p:txBody>
-          <a:bodyPr lIns="90000" rIns="90000" tIns="45000" bIns="45000" anchor="t">
+          <a:bodyPr lIns="90000" tIns="45000" rIns="90000" bIns="45000" anchor="t">
             <a:normAutofit/>
           </a:bodyPr>
+          <a:lstStyle/>
           <a:p>
             <a:pPr marL="343080" indent="-343080">
               <a:lnSpc>
@@ -4372,7 +4736,7 @@
               <a:buChar char="•"/>
             </a:pPr>
             <a:r>
-              <a:rPr b="1" lang="fr-FR" sz="3200" spc="-1" strike="noStrike" u="sng">
+              <a:rPr lang="fr-FR" sz="3200" b="1" u="sng" strike="noStrike" spc="-1">
                 <a:solidFill>
                   <a:srgbClr val="000000"/>
                 </a:solidFill>
@@ -4381,12 +4745,12 @@
               </a:rPr>
               <a:t>Ce qui existe :</a:t>
             </a:r>
-            <a:endParaRPr b="0" lang="fr-FR" sz="3200" spc="-1" strike="noStrike">
-              <a:latin typeface="Arial"/>
-            </a:endParaRPr>
-          </a:p>
-          <a:p>
-            <a:pPr lvl="1" marL="743040" indent="-285840">
+            <a:endParaRPr lang="fr-FR" sz="3200" b="0" strike="noStrike" spc="-1">
+              <a:latin typeface="Arial"/>
+            </a:endParaRPr>
+          </a:p>
+          <a:p>
+            <a:pPr marL="743040" lvl="1" indent="-285840">
               <a:lnSpc>
                 <a:spcPct val="100000"/>
               </a:lnSpc>
@@ -4400,7 +4764,7 @@
               <a:buChar char="–"/>
             </a:pPr>
             <a:r>
-              <a:rPr b="0" lang="fr-FR" sz="2400" spc="-1" strike="noStrike">
+              <a:rPr lang="fr-FR" sz="2400" b="0" strike="noStrike" spc="-1">
                 <a:solidFill>
                   <a:srgbClr val="000000"/>
                 </a:solidFill>
@@ -4408,12 +4772,12 @@
               </a:rPr>
               <a:t>L’agence possède une page Facebook </a:t>
             </a:r>
-            <a:endParaRPr b="0" lang="fr-FR" sz="2400" spc="-1" strike="noStrike">
-              <a:latin typeface="Arial"/>
-            </a:endParaRPr>
-          </a:p>
-          <a:p>
-            <a:pPr lvl="1" marL="743040" indent="-285840">
+            <a:endParaRPr lang="fr-FR" sz="2400" b="0" strike="noStrike" spc="-1">
+              <a:latin typeface="Arial"/>
+            </a:endParaRPr>
+          </a:p>
+          <a:p>
+            <a:pPr marL="743040" lvl="1" indent="-285840">
               <a:lnSpc>
                 <a:spcPct val="100000"/>
               </a:lnSpc>
@@ -4427,7 +4791,7 @@
               <a:buChar char="–"/>
             </a:pPr>
             <a:r>
-              <a:rPr b="0" lang="fr-FR" sz="2400" spc="-1" strike="noStrike">
+              <a:rPr lang="fr-FR" sz="2400" b="0" strike="noStrike" spc="-1">
                 <a:solidFill>
                   <a:srgbClr val="000000"/>
                 </a:solidFill>
@@ -4435,12 +4799,12 @@
               </a:rPr>
               <a:t>Faible communication digitale</a:t>
             </a:r>
-            <a:endParaRPr b="0" lang="fr-FR" sz="2400" spc="-1" strike="noStrike">
-              <a:latin typeface="Arial"/>
-            </a:endParaRPr>
-          </a:p>
-          <a:p>
-            <a:pPr lvl="1" marL="743040" indent="-285840">
+            <a:endParaRPr lang="fr-FR" sz="2400" b="0" strike="noStrike" spc="-1">
+              <a:latin typeface="Arial"/>
+            </a:endParaRPr>
+          </a:p>
+          <a:p>
+            <a:pPr marL="743040" lvl="1" indent="-285840">
               <a:lnSpc>
                 <a:spcPct val="100000"/>
               </a:lnSpc>
@@ -4454,7 +4818,7 @@
               <a:buChar char="–"/>
             </a:pPr>
             <a:r>
-              <a:rPr b="0" lang="fr-FR" sz="2400" spc="-1" strike="noStrike">
+              <a:rPr lang="fr-FR" sz="2400" b="0" strike="noStrike" spc="-1">
                 <a:solidFill>
                   <a:srgbClr val="000000"/>
                 </a:solidFill>
@@ -4462,7 +4826,7 @@
               </a:rPr>
               <a:t>Visibilité limitée</a:t>
             </a:r>
-            <a:endParaRPr b="0" lang="fr-FR" sz="2400" spc="-1" strike="noStrike">
+            <a:endParaRPr lang="fr-FR" sz="2400" b="0" strike="noStrike" spc="-1">
               <a:latin typeface="Arial"/>
             </a:endParaRPr>
           </a:p>
@@ -4473,7 +4837,7 @@
               </a:lnSpc>
               <a:buNone/>
             </a:pPr>
-            <a:endParaRPr b="0" lang="fr-FR" sz="2400" spc="-1" strike="noStrike">
+            <a:endParaRPr lang="fr-FR" sz="2400" b="0" strike="noStrike" spc="-1">
               <a:latin typeface="Arial"/>
             </a:endParaRPr>
           </a:p>
@@ -4492,7 +4856,7 @@
               <a:buChar char="•"/>
             </a:pPr>
             <a:r>
-              <a:rPr b="1" lang="fr-FR" sz="3200" spc="-1" strike="noStrike" u="sng">
+              <a:rPr lang="fr-FR" sz="3200" b="1" u="sng" strike="noStrike" spc="-1">
                 <a:solidFill>
                   <a:srgbClr val="000000"/>
                 </a:solidFill>
@@ -4501,12 +4865,12 @@
               </a:rPr>
               <a:t>Ce qui lui manque :</a:t>
             </a:r>
-            <a:endParaRPr b="0" lang="fr-FR" sz="3200" spc="-1" strike="noStrike">
-              <a:latin typeface="Arial"/>
-            </a:endParaRPr>
-          </a:p>
-          <a:p>
-            <a:pPr lvl="1" marL="743040" indent="-285840">
+            <a:endParaRPr lang="fr-FR" sz="3200" b="0" strike="noStrike" spc="-1">
+              <a:latin typeface="Arial"/>
+            </a:endParaRPr>
+          </a:p>
+          <a:p>
+            <a:pPr marL="743040" lvl="1" indent="-285840">
               <a:lnSpc>
                 <a:spcPct val="100000"/>
               </a:lnSpc>
@@ -4520,7 +4884,7 @@
               <a:buChar char="–"/>
             </a:pPr>
             <a:r>
-              <a:rPr b="0" lang="fr-FR" sz="2400" spc="-1" strike="noStrike">
+              <a:rPr lang="fr-FR" sz="2400" b="0" strike="noStrike" spc="-1">
                 <a:solidFill>
                   <a:srgbClr val="000000"/>
                 </a:solidFill>
@@ -4528,12 +4892,12 @@
               </a:rPr>
               <a:t>Présence plus accrue sur les réseaux sociaux</a:t>
             </a:r>
-            <a:endParaRPr b="0" lang="fr-FR" sz="2400" spc="-1" strike="noStrike">
-              <a:latin typeface="Arial"/>
-            </a:endParaRPr>
-          </a:p>
-          <a:p>
-            <a:pPr lvl="1" marL="743040" indent="-285840">
+            <a:endParaRPr lang="fr-FR" sz="2400" b="0" strike="noStrike" spc="-1">
+              <a:latin typeface="Arial"/>
+            </a:endParaRPr>
+          </a:p>
+          <a:p>
+            <a:pPr marL="743040" lvl="1" indent="-285840">
               <a:lnSpc>
                 <a:spcPct val="100000"/>
               </a:lnSpc>
@@ -4547,7 +4911,7 @@
               <a:buChar char="–"/>
             </a:pPr>
             <a:r>
-              <a:rPr b="0" lang="fr-FR" sz="2400" spc="-1" strike="noStrike">
+              <a:rPr lang="fr-FR" sz="2400" b="0" strike="noStrike" spc="-1">
                 <a:solidFill>
                   <a:srgbClr val="000000"/>
                 </a:solidFill>
@@ -4555,12 +4919,12 @@
               </a:rPr>
               <a:t>Planning de publications régulières</a:t>
             </a:r>
-            <a:endParaRPr b="0" lang="fr-FR" sz="2400" spc="-1" strike="noStrike">
-              <a:latin typeface="Arial"/>
-            </a:endParaRPr>
-          </a:p>
-          <a:p>
-            <a:pPr lvl="1" marL="743040" indent="-285840">
+            <a:endParaRPr lang="fr-FR" sz="2400" b="0" strike="noStrike" spc="-1">
+              <a:latin typeface="Arial"/>
+            </a:endParaRPr>
+          </a:p>
+          <a:p>
+            <a:pPr marL="743040" lvl="1" indent="-285840">
               <a:lnSpc>
                 <a:spcPct val="100000"/>
               </a:lnSpc>
@@ -4574,7 +4938,7 @@
               <a:buChar char="–"/>
             </a:pPr>
             <a:r>
-              <a:rPr b="0" lang="fr-FR" sz="2400" spc="-1" strike="noStrike">
+              <a:rPr lang="fr-FR" sz="2400" b="0" strike="noStrike" spc="-1">
                 <a:solidFill>
                   <a:srgbClr val="000000"/>
                 </a:solidFill>
@@ -4582,12 +4946,12 @@
               </a:rPr>
               <a:t>Contenu intelligent</a:t>
             </a:r>
-            <a:endParaRPr b="0" lang="fr-FR" sz="2400" spc="-1" strike="noStrike">
-              <a:latin typeface="Arial"/>
-            </a:endParaRPr>
-          </a:p>
-          <a:p>
-            <a:pPr lvl="1" marL="743040" indent="-285840">
+            <a:endParaRPr lang="fr-FR" sz="2400" b="0" strike="noStrike" spc="-1">
+              <a:latin typeface="Arial"/>
+            </a:endParaRPr>
+          </a:p>
+          <a:p>
+            <a:pPr marL="743040" lvl="1" indent="-285840">
               <a:lnSpc>
                 <a:spcPct val="100000"/>
               </a:lnSpc>
@@ -4601,7 +4965,7 @@
               <a:buChar char="–"/>
             </a:pPr>
             <a:r>
-              <a:rPr b="0" lang="fr-FR" sz="2400" spc="-1" strike="noStrike">
+              <a:rPr lang="fr-FR" sz="2400" b="0" strike="noStrike" spc="-1">
                 <a:solidFill>
                   <a:srgbClr val="000000"/>
                 </a:solidFill>
@@ -4609,7 +4973,7 @@
               </a:rPr>
               <a:t>Site internet bien référencé</a:t>
             </a:r>
-            <a:endParaRPr b="0" lang="fr-FR" sz="2400" spc="-1" strike="noStrike">
+            <a:endParaRPr lang="fr-FR" sz="2400" b="0" strike="noStrike" spc="-1">
               <a:latin typeface="Arial"/>
             </a:endParaRPr>
           </a:p>
@@ -4623,7 +4987,7 @@
               </a:spcBef>
               <a:buNone/>
             </a:pPr>
-            <a:endParaRPr b="0" lang="fr-FR" sz="2400" spc="-1" strike="noStrike">
+            <a:endParaRPr lang="fr-FR" sz="2400" b="0" strike="noStrike" spc="-1">
               <a:latin typeface="Arial"/>
             </a:endParaRPr>
           </a:p>
@@ -4631,8 +4995,11 @@
       </p:sp>
     </p:spTree>
   </p:cSld>
-  <mc:AlternateContent>
-    <mc:Choice Requires="p14">
+  <p:clrMapOvr>
+    <a:masterClrMapping/>
+  </p:clrMapOvr>
+  <mc:AlternateContent xmlns:mc="http://schemas.openxmlformats.org/markup-compatibility/2006">
+    <mc:Choice xmlns:p15="http://schemas.microsoft.com/office/powerpoint/2012/main" xmlns:p14="http://schemas.microsoft.com/office/powerpoint/2010/main" xmlns="" Requires="p14">
       <p:transition spd="slow" p14:dur="2000"/>
     </mc:Choice>
     <mc:Fallback>
@@ -4643,7 +5010,7 @@
 </file>
 
 <file path=ppt/slides/slide5.xml><?xml version="1.0" encoding="utf-8"?>
-<p:sld xmlns:a="http://schemas.openxmlformats.org/drawingml/2006/main" xmlns:p="http://schemas.openxmlformats.org/presentationml/2006/main" xmlns:r="http://schemas.openxmlformats.org/officeDocument/2006/relationships" xmlns:p14="http://schemas.microsoft.com/office/powerpoint/2010/main" xmlns:p15="http://schemas.microsoft.com/office/powerpoint/2012/main" xmlns:mc="http://schemas.openxmlformats.org/markup-compatibility/2006">
+<p:sld xmlns:a="http://schemas.openxmlformats.org/drawingml/2006/main" xmlns:r="http://schemas.openxmlformats.org/officeDocument/2006/relationships" xmlns:p="http://schemas.openxmlformats.org/presentationml/2006/main">
   <p:cSld>
     <p:spTree>
       <p:nvGrpSpPr>
@@ -4682,14 +5049,15 @@
           </a:solidFill>
           <a:ln w="0">
             <a:solidFill>
-              <a:srgbClr val="ffff00"/>
+              <a:srgbClr val="FFFF00"/>
             </a:solidFill>
           </a:ln>
         </p:spPr>
         <p:txBody>
-          <a:bodyPr lIns="90000" rIns="90000" tIns="45000" bIns="45000" anchor="ctr">
-            <a:normAutofit fontScale="78000"/>
+          <a:bodyPr lIns="90000" tIns="45000" rIns="90000" bIns="45000" anchor="ctr">
+            <a:normAutofit fontScale="90000"/>
           </a:bodyPr>
+          <a:lstStyle/>
           <a:p>
             <a:pPr algn="ctr">
               <a:lnSpc>
@@ -4698,15 +5066,15 @@
               <a:buNone/>
             </a:pPr>
             <a:r>
-              <a:rPr b="1" lang="fr-FR" sz="4400" spc="-1" strike="noStrike">
-                <a:solidFill>
-                  <a:srgbClr val="ffff00"/>
+              <a:rPr lang="fr-FR" sz="4400" b="1" strike="noStrike" spc="-1">
+                <a:solidFill>
+                  <a:srgbClr val="FFFF00"/>
                 </a:solidFill>
                 <a:latin typeface="Calibri"/>
               </a:rPr>
               <a:t>Analyse des concurrents et de leur communication</a:t>
             </a:r>
-            <a:endParaRPr b="0" lang="fr-FR" sz="4400" spc="-1" strike="noStrike">
+            <a:endParaRPr lang="fr-FR" sz="4400" b="0" strike="noStrike" spc="-1">
               <a:latin typeface="Arial"/>
             </a:endParaRPr>
           </a:p>
@@ -4736,9 +5104,10 @@
           </a:ln>
         </p:spPr>
         <p:txBody>
-          <a:bodyPr lIns="90000" rIns="90000" tIns="45000" bIns="45000" anchor="t">
+          <a:bodyPr lIns="90000" tIns="45000" rIns="90000" bIns="45000" anchor="t">
             <a:noAutofit/>
           </a:bodyPr>
+          <a:lstStyle/>
           <a:p>
             <a:pPr marL="343080" indent="-343080">
               <a:lnSpc>
@@ -4754,7 +5123,7 @@
               <a:buChar char="•"/>
             </a:pPr>
             <a:r>
-              <a:rPr b="0" lang="fr-FR" sz="3200" spc="-1" strike="noStrike">
+              <a:rPr lang="fr-FR" sz="3200" b="0" strike="noStrike" spc="-1">
                 <a:solidFill>
                   <a:srgbClr val="000000"/>
                 </a:solidFill>
@@ -4762,7 +5131,7 @@
               </a:rPr>
               <a:t>Les concurrents directs et indirects possèdent tous un site web et sont présents sur les réseaux sociaux.</a:t>
             </a:r>
-            <a:endParaRPr b="0" lang="fr-FR" sz="3200" spc="-1" strike="noStrike">
+            <a:endParaRPr lang="fr-FR" sz="3200" b="0" strike="noStrike" spc="-1">
               <a:latin typeface="Arial"/>
             </a:endParaRPr>
           </a:p>
@@ -4770,8 +5139,11 @@
       </p:sp>
     </p:spTree>
   </p:cSld>
-  <mc:AlternateContent>
-    <mc:Choice Requires="p14">
+  <p:clrMapOvr>
+    <a:masterClrMapping/>
+  </p:clrMapOvr>
+  <mc:AlternateContent xmlns:mc="http://schemas.openxmlformats.org/markup-compatibility/2006">
+    <mc:Choice xmlns:p15="http://schemas.microsoft.com/office/powerpoint/2012/main" xmlns:p14="http://schemas.microsoft.com/office/powerpoint/2010/main" xmlns="" Requires="p14">
       <p:transition spd="slow" p14:dur="2000"/>
     </mc:Choice>
     <mc:Fallback>
@@ -4782,7 +5154,7 @@
 </file>
 
 <file path=ppt/slides/slide6.xml><?xml version="1.0" encoding="utf-8"?>
-<p:sld xmlns:a="http://schemas.openxmlformats.org/drawingml/2006/main" xmlns:p="http://schemas.openxmlformats.org/presentationml/2006/main" xmlns:r="http://schemas.openxmlformats.org/officeDocument/2006/relationships" xmlns:p14="http://schemas.microsoft.com/office/powerpoint/2010/main" xmlns:p15="http://schemas.microsoft.com/office/powerpoint/2012/main" xmlns:mc="http://schemas.openxmlformats.org/markup-compatibility/2006">
+<p:sld xmlns:a="http://schemas.openxmlformats.org/drawingml/2006/main" xmlns:r="http://schemas.openxmlformats.org/officeDocument/2006/relationships" xmlns:p="http://schemas.openxmlformats.org/presentationml/2006/main">
   <p:cSld>
     <p:spTree>
       <p:nvGrpSpPr>
@@ -4817,7 +5189,7 @@
             <a:avLst/>
           </a:prstGeom>
           <a:solidFill>
-            <a:srgbClr val="ffff00"/>
+            <a:srgbClr val="FFFF00"/>
           </a:solidFill>
           <a:ln w="0">
             <a:solidFill>
@@ -4826,9 +5198,10 @@
           </a:ln>
         </p:spPr>
         <p:txBody>
-          <a:bodyPr lIns="90000" rIns="90000" tIns="45000" bIns="45000" anchor="ctr">
+          <a:bodyPr lIns="90000" tIns="45000" rIns="90000" bIns="45000" anchor="ctr">
             <a:noAutofit/>
           </a:bodyPr>
+          <a:lstStyle/>
           <a:p>
             <a:pPr algn="ctr">
               <a:lnSpc>
@@ -4837,7 +5210,7 @@
               <a:buNone/>
             </a:pPr>
             <a:r>
-              <a:rPr b="1" lang="fr-FR" sz="4400" spc="-1" strike="noStrike">
+              <a:rPr lang="fr-FR" sz="4400" b="1" strike="noStrike" spc="-1">
                 <a:solidFill>
                   <a:srgbClr val="002060"/>
                 </a:solidFill>
@@ -4845,7 +5218,7 @@
               </a:rPr>
               <a:t>Analyse des clients</a:t>
             </a:r>
-            <a:endParaRPr b="0" lang="fr-FR" sz="4400" spc="-1" strike="noStrike">
+            <a:endParaRPr lang="fr-FR" sz="4400" b="0" strike="noStrike" spc="-1">
               <a:latin typeface="Arial"/>
             </a:endParaRPr>
           </a:p>
@@ -4875,9 +5248,10 @@
           </a:ln>
         </p:spPr>
         <p:txBody>
-          <a:bodyPr lIns="90000" rIns="90000" tIns="45000" bIns="45000" anchor="t">
+          <a:bodyPr lIns="90000" tIns="45000" rIns="90000" bIns="45000" anchor="t">
             <a:noAutofit/>
           </a:bodyPr>
+          <a:lstStyle/>
           <a:p>
             <a:pPr marL="343080" indent="-343080">
               <a:lnSpc>
@@ -4893,7 +5267,7 @@
               <a:buChar char="•"/>
             </a:pPr>
             <a:r>
-              <a:rPr b="1" lang="fr-FR" sz="2800" spc="-1" strike="noStrike" u="sng">
+              <a:rPr lang="fr-FR" sz="2800" b="1" u="sng" strike="noStrike" spc="-1">
                 <a:solidFill>
                   <a:srgbClr val="000000"/>
                 </a:solidFill>
@@ -4902,12 +5276,12 @@
               </a:rPr>
               <a:t>Les cibles :</a:t>
             </a:r>
-            <a:endParaRPr b="0" lang="fr-FR" sz="2800" spc="-1" strike="noStrike">
-              <a:latin typeface="Arial"/>
-            </a:endParaRPr>
-          </a:p>
-          <a:p>
-            <a:pPr lvl="1" marL="743040" indent="-285840">
+            <a:endParaRPr lang="fr-FR" sz="2800" b="0" strike="noStrike" spc="-1">
+              <a:latin typeface="Arial"/>
+            </a:endParaRPr>
+          </a:p>
+          <a:p>
+            <a:pPr marL="743040" lvl="1" indent="-285840">
               <a:lnSpc>
                 <a:spcPct val="100000"/>
               </a:lnSpc>
@@ -4921,7 +5295,7 @@
               <a:buChar char="–"/>
             </a:pPr>
             <a:r>
-              <a:rPr b="0" lang="fr-FR" sz="2000" spc="-1" strike="noStrike">
+              <a:rPr lang="fr-FR" sz="2000" b="0" strike="noStrike" spc="-1">
                 <a:solidFill>
                   <a:srgbClr val="000000"/>
                 </a:solidFill>
@@ -4929,12 +5303,12 @@
               </a:rPr>
               <a:t>Cœur de cible : PME</a:t>
             </a:r>
-            <a:endParaRPr b="0" lang="fr-FR" sz="2000" spc="-1" strike="noStrike">
-              <a:latin typeface="Arial"/>
-            </a:endParaRPr>
-          </a:p>
-          <a:p>
-            <a:pPr lvl="1" marL="743040" indent="-285840">
+            <a:endParaRPr lang="fr-FR" sz="2000" b="0" strike="noStrike" spc="-1">
+              <a:latin typeface="Arial"/>
+            </a:endParaRPr>
+          </a:p>
+          <a:p>
+            <a:pPr marL="743040" lvl="1" indent="-285840">
               <a:lnSpc>
                 <a:spcPct val="100000"/>
               </a:lnSpc>
@@ -4948,7 +5322,7 @@
               <a:buChar char="–"/>
             </a:pPr>
             <a:r>
-              <a:rPr b="0" lang="fr-FR" sz="2000" spc="-1" strike="noStrike">
+              <a:rPr lang="fr-FR" sz="2000" b="0" strike="noStrike" spc="-1">
                 <a:solidFill>
                   <a:srgbClr val="000000"/>
                 </a:solidFill>
@@ -4957,7 +5331,7 @@
               <a:t>Cible</a:t>
             </a:r>
             <a:r>
-              <a:rPr b="0" lang="en-US" sz="2000" spc="-1" strike="noStrike">
+              <a:rPr lang="en-US" sz="2000" b="0" strike="noStrike" spc="-1">
                 <a:solidFill>
                   <a:srgbClr val="000000"/>
                 </a:solidFill>
@@ -4965,12 +5339,12 @@
               </a:rPr>
               <a:t> primaire: association /ONG</a:t>
             </a:r>
-            <a:endParaRPr b="0" lang="fr-FR" sz="2000" spc="-1" strike="noStrike">
-              <a:latin typeface="Arial"/>
-            </a:endParaRPr>
-          </a:p>
-          <a:p>
-            <a:pPr lvl="1" marL="743040" indent="-285840">
+            <a:endParaRPr lang="fr-FR" sz="2000" b="0" strike="noStrike" spc="-1">
+              <a:latin typeface="Arial"/>
+            </a:endParaRPr>
+          </a:p>
+          <a:p>
+            <a:pPr marL="743040" lvl="1" indent="-285840">
               <a:lnSpc>
                 <a:spcPct val="100000"/>
               </a:lnSpc>
@@ -4984,7 +5358,7 @@
               <a:buChar char="–"/>
             </a:pPr>
             <a:r>
-              <a:rPr b="0" lang="fr-FR" sz="2000" spc="-1" strike="noStrike">
+              <a:rPr lang="fr-FR" sz="2000" b="0" strike="noStrike" spc="-1">
                 <a:solidFill>
                   <a:srgbClr val="000000"/>
                 </a:solidFill>
@@ -4993,7 +5367,7 @@
               <a:t>Cible</a:t>
             </a:r>
             <a:r>
-              <a:rPr b="0" lang="en-US" sz="2000" spc="-1" strike="noStrike">
+              <a:rPr lang="en-US" sz="2000" b="0" strike="noStrike" spc="-1">
                 <a:solidFill>
                   <a:srgbClr val="000000"/>
                 </a:solidFill>
@@ -5002,7 +5376,7 @@
               <a:t> </a:t>
             </a:r>
             <a:r>
-              <a:rPr b="0" lang="fr-FR" sz="2000" spc="-1" strike="noStrike">
+              <a:rPr lang="fr-FR" sz="2000" b="0" strike="noStrike" spc="-1">
                 <a:solidFill>
                   <a:srgbClr val="000000"/>
                 </a:solidFill>
@@ -5010,7 +5384,7 @@
               </a:rPr>
               <a:t>secondaire : toute personne intéressée par l’apprentissage du numérique</a:t>
             </a:r>
-            <a:endParaRPr b="0" lang="fr-FR" sz="2000" spc="-1" strike="noStrike">
+            <a:endParaRPr lang="fr-FR" sz="2000" b="0" strike="noStrike" spc="-1">
               <a:latin typeface="Arial"/>
             </a:endParaRPr>
           </a:p>
@@ -5018,8 +5392,11 @@
       </p:sp>
     </p:spTree>
   </p:cSld>
-  <mc:AlternateContent>
-    <mc:Choice Requires="p14">
+  <p:clrMapOvr>
+    <a:masterClrMapping/>
+  </p:clrMapOvr>
+  <mc:AlternateContent xmlns:mc="http://schemas.openxmlformats.org/markup-compatibility/2006">
+    <mc:Choice xmlns:p15="http://schemas.microsoft.com/office/powerpoint/2012/main" xmlns:p14="http://schemas.microsoft.com/office/powerpoint/2010/main" xmlns="" Requires="p14">
       <p:transition spd="slow" p14:dur="2000"/>
     </mc:Choice>
     <mc:Fallback>
@@ -5030,7 +5407,7 @@
 </file>
 
 <file path=ppt/slides/slide7.xml><?xml version="1.0" encoding="utf-8"?>
-<p:sld xmlns:a="http://schemas.openxmlformats.org/drawingml/2006/main" xmlns:p="http://schemas.openxmlformats.org/presentationml/2006/main" xmlns:r="http://schemas.openxmlformats.org/officeDocument/2006/relationships" xmlns:p14="http://schemas.microsoft.com/office/powerpoint/2010/main" xmlns:p15="http://schemas.microsoft.com/office/powerpoint/2012/main" xmlns:mc="http://schemas.openxmlformats.org/markup-compatibility/2006">
+<p:sld xmlns:a="http://schemas.openxmlformats.org/drawingml/2006/main" xmlns:r="http://schemas.openxmlformats.org/officeDocument/2006/relationships" xmlns:p="http://schemas.openxmlformats.org/presentationml/2006/main">
   <p:cSld>
     <p:spTree>
       <p:nvGrpSpPr>
@@ -5069,14 +5446,15 @@
           </a:solidFill>
           <a:ln w="0">
             <a:solidFill>
-              <a:srgbClr val="ffff00"/>
+              <a:srgbClr val="FFFF00"/>
             </a:solidFill>
           </a:ln>
         </p:spPr>
         <p:txBody>
-          <a:bodyPr lIns="90000" rIns="90000" tIns="45000" bIns="45000" anchor="ctr">
-            <a:normAutofit fontScale="88000"/>
+          <a:bodyPr lIns="90000" tIns="45000" rIns="90000" bIns="45000" anchor="ctr">
+            <a:normAutofit fontScale="90000"/>
           </a:bodyPr>
+          <a:lstStyle/>
           <a:p>
             <a:pPr algn="ctr">
               <a:lnSpc>
@@ -5085,15 +5463,15 @@
               <a:buNone/>
             </a:pPr>
             <a:r>
-              <a:rPr b="1" lang="fr-FR" sz="4400" spc="-1" strike="noStrike">
-                <a:solidFill>
-                  <a:srgbClr val="ffff00"/>
+              <a:rPr lang="fr-FR" sz="4400" b="1" strike="noStrike" spc="-1">
+                <a:solidFill>
+                  <a:srgbClr val="FFFF00"/>
                 </a:solidFill>
                 <a:latin typeface="Calibri"/>
               </a:rPr>
               <a:t>Marketing et Communication digitale</a:t>
             </a:r>
-            <a:endParaRPr b="0" lang="fr-FR" sz="4400" spc="-1" strike="noStrike">
+            <a:endParaRPr lang="fr-FR" sz="4400" b="0" strike="noStrike" spc="-1">
               <a:latin typeface="Arial"/>
             </a:endParaRPr>
           </a:p>
@@ -5123,9 +5501,10 @@
           </a:ln>
         </p:spPr>
         <p:txBody>
-          <a:bodyPr lIns="90000" rIns="90000" tIns="45000" bIns="45000" anchor="t">
+          <a:bodyPr lIns="90000" tIns="45000" rIns="90000" bIns="45000" anchor="t">
             <a:normAutofit/>
           </a:bodyPr>
+          <a:lstStyle/>
           <a:p>
             <a:pPr marL="343080" indent="-343080">
               <a:lnSpc>
@@ -5141,7 +5520,7 @@
               <a:buChar char="•"/>
             </a:pPr>
             <a:r>
-              <a:rPr b="0" lang="fr-FR" sz="3200" spc="-1" strike="noStrike" u="sng">
+              <a:rPr lang="fr-FR" sz="3200" b="0" u="sng" strike="noStrike" spc="-1">
                 <a:solidFill>
                   <a:srgbClr val="000000"/>
                 </a:solidFill>
@@ -5150,12 +5529,12 @@
               </a:rPr>
               <a:t>Objectif principal : </a:t>
             </a:r>
-            <a:endParaRPr b="0" lang="fr-FR" sz="3200" spc="-1" strike="noStrike">
-              <a:latin typeface="Arial"/>
-            </a:endParaRPr>
-          </a:p>
-          <a:p>
-            <a:pPr lvl="1" marL="743040" indent="-285840">
+            <a:endParaRPr lang="fr-FR" sz="3200" b="0" strike="noStrike" spc="-1">
+              <a:latin typeface="Arial"/>
+            </a:endParaRPr>
+          </a:p>
+          <a:p>
+            <a:pPr marL="743040" lvl="1" indent="-285840">
               <a:lnSpc>
                 <a:spcPct val="100000"/>
               </a:lnSpc>
@@ -5169,7 +5548,7 @@
               <a:buChar char="–"/>
             </a:pPr>
             <a:r>
-              <a:rPr b="1" lang="fr-FR" sz="2800" spc="-1" strike="noStrike">
+              <a:rPr lang="fr-FR" sz="2800" b="1" strike="noStrike" spc="-1">
                 <a:solidFill>
                   <a:srgbClr val="000000"/>
                 </a:solidFill>
@@ -5178,7 +5557,7 @@
               <a:t>améliorer la visibilité de l’agence </a:t>
             </a:r>
             <a:r>
-              <a:rPr b="1" i="1" lang="fr-FR" sz="2800" spc="-1" strike="noStrike">
+              <a:rPr lang="fr-FR" sz="2800" b="1" i="1" strike="noStrike" spc="-1">
                 <a:solidFill>
                   <a:srgbClr val="000000"/>
                 </a:solidFill>
@@ -5186,7 +5565,7 @@
               </a:rPr>
               <a:t>EA Design</a:t>
             </a:r>
-            <a:endParaRPr b="0" lang="fr-FR" sz="2800" spc="-1" strike="noStrike">
+            <a:endParaRPr lang="fr-FR" sz="2800" b="0" strike="noStrike" spc="-1">
               <a:latin typeface="Arial"/>
             </a:endParaRPr>
           </a:p>
@@ -5200,10 +5579,10 @@
               </a:spcBef>
               <a:buNone/>
               <a:tabLst>
-                <a:tab algn="l" pos="0"/>
+                <a:tab pos="0" algn="l"/>
               </a:tabLst>
             </a:pPr>
-            <a:endParaRPr b="0" lang="fr-FR" sz="2800" spc="-1" strike="noStrike">
+            <a:endParaRPr lang="fr-FR" sz="2800" b="0" strike="noStrike" spc="-1">
               <a:latin typeface="Arial"/>
             </a:endParaRPr>
           </a:p>
@@ -5221,11 +5600,11 @@
               <a:buFont typeface="Arial"/>
               <a:buChar char="•"/>
               <a:tabLst>
-                <a:tab algn="l" pos="0"/>
+                <a:tab pos="0" algn="l"/>
               </a:tabLst>
             </a:pPr>
             <a:r>
-              <a:rPr b="0" lang="fr-FR" sz="3200" spc="-1" strike="noStrike" u="sng">
+              <a:rPr lang="fr-FR" sz="3200" b="0" u="sng" strike="noStrike" spc="-1">
                 <a:solidFill>
                   <a:srgbClr val="000000"/>
                 </a:solidFill>
@@ -5234,12 +5613,12 @@
               </a:rPr>
               <a:t>Solutions mises en place :</a:t>
             </a:r>
-            <a:endParaRPr b="0" lang="fr-FR" sz="3200" spc="-1" strike="noStrike">
-              <a:latin typeface="Arial"/>
-            </a:endParaRPr>
-          </a:p>
-          <a:p>
-            <a:pPr lvl="1" marL="743040" indent="-285840">
+            <a:endParaRPr lang="fr-FR" sz="3200" b="0" strike="noStrike" spc="-1">
+              <a:latin typeface="Arial"/>
+            </a:endParaRPr>
+          </a:p>
+          <a:p>
+            <a:pPr marL="743040" lvl="1" indent="-285840">
               <a:lnSpc>
                 <a:spcPct val="100000"/>
               </a:lnSpc>
@@ -5252,11 +5631,11 @@
               <a:buFont typeface="Arial"/>
               <a:buChar char="–"/>
               <a:tabLst>
-                <a:tab algn="l" pos="0"/>
+                <a:tab pos="0" algn="l"/>
               </a:tabLst>
             </a:pPr>
             <a:r>
-              <a:rPr b="0" lang="fr-FR" sz="2800" spc="-1" strike="noStrike">
+              <a:rPr lang="fr-FR" sz="2800" b="0" strike="noStrike" spc="-1">
                 <a:solidFill>
                   <a:srgbClr val="000000"/>
                 </a:solidFill>
@@ -5264,12 +5643,12 @@
               </a:rPr>
               <a:t>Présence sur des réseaux sociaux professionnels</a:t>
             </a:r>
-            <a:endParaRPr b="0" lang="fr-FR" sz="2800" spc="-1" strike="noStrike">
-              <a:latin typeface="Arial"/>
-            </a:endParaRPr>
-          </a:p>
-          <a:p>
-            <a:pPr lvl="2" marL="1143000" indent="-228600">
+            <a:endParaRPr lang="fr-FR" sz="2800" b="0" strike="noStrike" spc="-1">
+              <a:latin typeface="Arial"/>
+            </a:endParaRPr>
+          </a:p>
+          <a:p>
+            <a:pPr marL="1143000" lvl="2" indent="-228600">
               <a:lnSpc>
                 <a:spcPct val="100000"/>
               </a:lnSpc>
@@ -5282,11 +5661,11 @@
               <a:buFont typeface="Arial"/>
               <a:buChar char="•"/>
               <a:tabLst>
-                <a:tab algn="l" pos="0"/>
+                <a:tab pos="0" algn="l"/>
               </a:tabLst>
             </a:pPr>
             <a:r>
-              <a:rPr b="0" lang="fr-FR" sz="2400" spc="-1" strike="noStrike">
+              <a:rPr lang="fr-FR" sz="2400" b="0" strike="noStrike" spc="-1">
                 <a:solidFill>
                   <a:srgbClr val="000000"/>
                 </a:solidFill>
@@ -5294,12 +5673,12 @@
               </a:rPr>
               <a:t>Linkedin, Instagram, Pinterest et Youtube</a:t>
             </a:r>
-            <a:endParaRPr b="0" lang="fr-FR" sz="2400" spc="-1" strike="noStrike">
-              <a:latin typeface="Arial"/>
-            </a:endParaRPr>
-          </a:p>
-          <a:p>
-            <a:pPr lvl="1" marL="743040" indent="-285840">
+            <a:endParaRPr lang="fr-FR" sz="2400" b="0" strike="noStrike" spc="-1">
+              <a:latin typeface="Arial"/>
+            </a:endParaRPr>
+          </a:p>
+          <a:p>
+            <a:pPr marL="743040" lvl="1" indent="-285840">
               <a:lnSpc>
                 <a:spcPct val="100000"/>
               </a:lnSpc>
@@ -5312,11 +5691,11 @@
               <a:buFont typeface="Arial"/>
               <a:buChar char="–"/>
               <a:tabLst>
-                <a:tab algn="l" pos="0"/>
+                <a:tab pos="0" algn="l"/>
               </a:tabLst>
             </a:pPr>
             <a:r>
-              <a:rPr b="0" lang="fr-FR" sz="2800" spc="-1" strike="noStrike">
+              <a:rPr lang="fr-FR" sz="2800" b="0" strike="noStrike" spc="-1">
                 <a:solidFill>
                   <a:srgbClr val="000000"/>
                 </a:solidFill>
@@ -5324,12 +5703,12 @@
               </a:rPr>
               <a:t>Création d’un site internet et d’un blog</a:t>
             </a:r>
-            <a:endParaRPr b="0" lang="fr-FR" sz="2800" spc="-1" strike="noStrike">
-              <a:latin typeface="Arial"/>
-            </a:endParaRPr>
-          </a:p>
-          <a:p>
-            <a:pPr lvl="1" marL="743040" indent="-285840">
+            <a:endParaRPr lang="fr-FR" sz="2800" b="0" strike="noStrike" spc="-1">
+              <a:latin typeface="Arial"/>
+            </a:endParaRPr>
+          </a:p>
+          <a:p>
+            <a:pPr marL="743040" lvl="1" indent="-285840">
               <a:lnSpc>
                 <a:spcPct val="100000"/>
               </a:lnSpc>
@@ -5342,11 +5721,11 @@
               <a:buFont typeface="Arial"/>
               <a:buChar char="–"/>
               <a:tabLst>
-                <a:tab algn="l" pos="0"/>
+                <a:tab pos="0" algn="l"/>
               </a:tabLst>
             </a:pPr>
             <a:r>
-              <a:rPr b="0" lang="fr-FR" sz="2800" spc="-1" strike="noStrike">
+              <a:rPr lang="fr-FR" sz="2800" b="0" strike="noStrike" spc="-1">
                 <a:solidFill>
                   <a:srgbClr val="000000"/>
                 </a:solidFill>
@@ -5354,7 +5733,7 @@
               </a:rPr>
               <a:t>Facebook Ads, Google Ads</a:t>
             </a:r>
-            <a:endParaRPr b="0" lang="fr-FR" sz="2800" spc="-1" strike="noStrike">
+            <a:endParaRPr lang="fr-FR" sz="2800" b="0" strike="noStrike" spc="-1">
               <a:latin typeface="Arial"/>
             </a:endParaRPr>
           </a:p>
@@ -5365,10 +5744,10 @@
               </a:lnSpc>
               <a:buNone/>
               <a:tabLst>
-                <a:tab algn="l" pos="0"/>
+                <a:tab pos="0" algn="l"/>
               </a:tabLst>
             </a:pPr>
-            <a:endParaRPr b="0" lang="fr-FR" sz="2800" spc="-1" strike="noStrike">
+            <a:endParaRPr lang="fr-FR" sz="2800" b="0" strike="noStrike" spc="-1">
               <a:latin typeface="Arial"/>
             </a:endParaRPr>
           </a:p>
@@ -5379,10 +5758,10 @@
               </a:lnSpc>
               <a:buNone/>
               <a:tabLst>
-                <a:tab algn="l" pos="0"/>
+                <a:tab pos="0" algn="l"/>
               </a:tabLst>
             </a:pPr>
-            <a:endParaRPr b="0" lang="fr-FR" sz="2800" spc="-1" strike="noStrike">
+            <a:endParaRPr lang="fr-FR" sz="2800" b="0" strike="noStrike" spc="-1">
               <a:latin typeface="Arial"/>
             </a:endParaRPr>
           </a:p>
@@ -5390,8 +5769,11 @@
       </p:sp>
     </p:spTree>
   </p:cSld>
-  <mc:AlternateContent>
-    <mc:Choice Requires="p14">
+  <p:clrMapOvr>
+    <a:masterClrMapping/>
+  </p:clrMapOvr>
+  <mc:AlternateContent xmlns:mc="http://schemas.openxmlformats.org/markup-compatibility/2006">
+    <mc:Choice xmlns:p15="http://schemas.microsoft.com/office/powerpoint/2012/main" xmlns:p14="http://schemas.microsoft.com/office/powerpoint/2010/main" xmlns="" Requires="p14">
       <p:transition spd="slow" p14:dur="2000"/>
     </mc:Choice>
     <mc:Fallback>
@@ -5402,7 +5784,7 @@
 </file>
 
 <file path=ppt/slides/slide8.xml><?xml version="1.0" encoding="utf-8"?>
-<p:sld xmlns:a="http://schemas.openxmlformats.org/drawingml/2006/main" xmlns:p="http://schemas.openxmlformats.org/presentationml/2006/main" xmlns:r="http://schemas.openxmlformats.org/officeDocument/2006/relationships" xmlns:p14="http://schemas.microsoft.com/office/powerpoint/2010/main" xmlns:p15="http://schemas.microsoft.com/office/powerpoint/2012/main" xmlns:mc="http://schemas.openxmlformats.org/markup-compatibility/2006">
+<p:sld xmlns:a="http://schemas.openxmlformats.org/drawingml/2006/main" xmlns:r="http://schemas.openxmlformats.org/officeDocument/2006/relationships" xmlns:p="http://schemas.openxmlformats.org/presentationml/2006/main">
   <p:cSld>
     <p:spTree>
       <p:nvGrpSpPr>
@@ -5442,9 +5824,10 @@
           </a:ln>
         </p:spPr>
         <p:txBody>
-          <a:bodyPr lIns="90000" rIns="90000" tIns="45000" bIns="45000" anchor="ctr">
+          <a:bodyPr lIns="90000" tIns="45000" rIns="90000" bIns="45000" anchor="ctr">
             <a:normAutofit/>
           </a:bodyPr>
+          <a:lstStyle/>
           <a:p>
             <a:pPr>
               <a:lnSpc>
@@ -5453,7 +5836,7 @@
               <a:buNone/>
             </a:pPr>
             <a:r>
-              <a:rPr b="0" lang="fr-FR" sz="4000" spc="-1" strike="noStrike">
+              <a:rPr lang="fr-FR" sz="4000" b="0" strike="noStrike" spc="-1">
                 <a:solidFill>
                   <a:srgbClr val="000000"/>
                 </a:solidFill>
@@ -5461,7 +5844,7 @@
               </a:rPr>
               <a:t>Tunnel de Conversion</a:t>
             </a:r>
-            <a:endParaRPr b="0" lang="fr-FR" sz="4000" spc="-1" strike="noStrike">
+            <a:endParaRPr lang="fr-FR" sz="4000" b="0" strike="noStrike" spc="-1">
               <a:latin typeface="Arial"/>
             </a:endParaRPr>
           </a:p>
@@ -5469,12 +5852,12 @@
       </p:sp>
       <p:pic>
         <p:nvPicPr>
-          <p:cNvPr id="66" name="Espace réservé du contenu 3" descr=""/>
+          <p:cNvPr id="66" name="Espace réservé du contenu 3"/>
           <p:cNvPicPr/>
           <p:nvPr/>
         </p:nvPicPr>
         <p:blipFill>
-          <a:blip r:embed="rId1"/>
+          <a:blip r:embed="rId2" cstate="print"/>
           <a:stretch/>
         </p:blipFill>
         <p:spPr>
@@ -5492,8 +5875,11 @@
       </p:pic>
     </p:spTree>
   </p:cSld>
-  <mc:AlternateContent>
-    <mc:Choice Requires="p14">
+  <p:clrMapOvr>
+    <a:masterClrMapping/>
+  </p:clrMapOvr>
+  <mc:AlternateContent xmlns:mc="http://schemas.openxmlformats.org/markup-compatibility/2006">
+    <mc:Choice xmlns:p15="http://schemas.microsoft.com/office/powerpoint/2012/main" xmlns:p14="http://schemas.microsoft.com/office/powerpoint/2010/main" xmlns="" Requires="p14">
       <p:transition spd="slow" p14:dur="2000"/>
     </mc:Choice>
     <mc:Fallback>
@@ -5504,7 +5890,7 @@
 </file>
 
 <file path=ppt/slides/slide9.xml><?xml version="1.0" encoding="utf-8"?>
-<p:sld xmlns:a="http://schemas.openxmlformats.org/drawingml/2006/main" xmlns:p="http://schemas.openxmlformats.org/presentationml/2006/main" xmlns:r="http://schemas.openxmlformats.org/officeDocument/2006/relationships" xmlns:p14="http://schemas.microsoft.com/office/powerpoint/2010/main" xmlns:p15="http://schemas.microsoft.com/office/powerpoint/2012/main" xmlns:mc="http://schemas.openxmlformats.org/markup-compatibility/2006">
+<p:sld xmlns:a="http://schemas.openxmlformats.org/drawingml/2006/main" xmlns:r="http://schemas.openxmlformats.org/officeDocument/2006/relationships" xmlns:p="http://schemas.openxmlformats.org/presentationml/2006/main">
   <p:cSld>
     <p:spTree>
       <p:nvGrpSpPr>
@@ -5522,12 +5908,12 @@
       </p:grpSpPr>
       <p:pic>
         <p:nvPicPr>
-          <p:cNvPr id="67" name="Espace réservé du contenu 3" descr=""/>
+          <p:cNvPr id="67" name="Espace réservé du contenu 3"/>
           <p:cNvPicPr/>
           <p:nvPr/>
         </p:nvPicPr>
         <p:blipFill>
-          <a:blip r:embed="rId1"/>
+          <a:blip r:embed="rId2" cstate="print"/>
           <a:stretch/>
         </p:blipFill>
         <p:spPr>
@@ -5545,8 +5931,11 @@
       </p:pic>
     </p:spTree>
   </p:cSld>
-  <mc:AlternateContent>
-    <mc:Choice Requires="p14">
+  <p:clrMapOvr>
+    <a:masterClrMapping/>
+  </p:clrMapOvr>
+  <mc:AlternateContent xmlns:mc="http://schemas.openxmlformats.org/markup-compatibility/2006">
+    <mc:Choice xmlns:p15="http://schemas.microsoft.com/office/powerpoint/2012/main" xmlns:p14="http://schemas.microsoft.com/office/powerpoint/2010/main" xmlns="" Requires="p14">
       <p:transition spd="slow" p14:dur="2000"/>
     </mc:Choice>
     <mc:Fallback>
@@ -5567,31 +5956,31 @@
         <a:sysClr val="window" lastClr="FFFFFF"/>
       </a:lt1>
       <a:dk2>
-        <a:srgbClr val="1f497d"/>
+        <a:srgbClr val="1F497D"/>
       </a:dk2>
       <a:lt2>
-        <a:srgbClr val="eeece1"/>
+        <a:srgbClr val="EEECE1"/>
       </a:lt2>
       <a:accent1>
-        <a:srgbClr val="4f81bd"/>
+        <a:srgbClr val="4F81BD"/>
       </a:accent1>
       <a:accent2>
-        <a:srgbClr val="c0504d"/>
+        <a:srgbClr val="C0504D"/>
       </a:accent2>
       <a:accent3>
-        <a:srgbClr val="9bbb59"/>
+        <a:srgbClr val="9BBB59"/>
       </a:accent3>
       <a:accent4>
-        <a:srgbClr val="8064a2"/>
+        <a:srgbClr val="8064A2"/>
       </a:accent4>
       <a:accent5>
-        <a:srgbClr val="4bacc6"/>
+        <a:srgbClr val="4BACC6"/>
       </a:accent5>
       <a:accent6>
-        <a:srgbClr val="f79646"/>
+        <a:srgbClr val="F79646"/>
       </a:accent6>
       <a:hlink>
-        <a:srgbClr val="0000ff"/>
+        <a:srgbClr val="0000FF"/>
       </a:hlink>
       <a:folHlink>
         <a:srgbClr val="800080"/>
@@ -5779,5 +6168,7 @@
       </a:bgFillStyleLst>
     </a:fmtScheme>
   </a:themeElements>
+  <a:objectDefaults/>
+  <a:extraClrSchemeLst/>
 </a:theme>
 </file>